--- a/Goodsbase.pptx
+++ b/Goodsbase.pptx
@@ -9,6 +9,21 @@
     <p:sldId id="257" r:id="rId3"/>
     <p:sldId id="258" r:id="rId4"/>
     <p:sldId id="259" r:id="rId5"/>
+    <p:sldId id="260" r:id="rId6"/>
+    <p:sldId id="261" r:id="rId7"/>
+    <p:sldId id="262" r:id="rId8"/>
+    <p:sldId id="264" r:id="rId9"/>
+    <p:sldId id="263" r:id="rId10"/>
+    <p:sldId id="265" r:id="rId11"/>
+    <p:sldId id="266" r:id="rId12"/>
+    <p:sldId id="267" r:id="rId13"/>
+    <p:sldId id="268" r:id="rId14"/>
+    <p:sldId id="269" r:id="rId15"/>
+    <p:sldId id="270" r:id="rId16"/>
+    <p:sldId id="272" r:id="rId17"/>
+    <p:sldId id="273" r:id="rId18"/>
+    <p:sldId id="271" r:id="rId19"/>
+    <p:sldId id="274" r:id="rId20"/>
   </p:sldIdLst>
   <p:sldSz cx="12192000" cy="6858000"/>
   <p:notesSz cx="6858000" cy="9144000"/>
@@ -107,6 +122,11 @@
       </a:defRPr>
     </a:lvl9pPr>
   </p:defaultTextStyle>
+  <p:extLst>
+    <p:ext uri="{EFAFB233-063F-42B5-8137-9DF3F51BA10A}">
+      <p15:sldGuideLst xmlns:p15="http://schemas.microsoft.com/office/powerpoint/2012/main"/>
+    </p:ext>
+  </p:extLst>
 </p:presentation>
 </file>
 
@@ -160,7 +180,7 @@
           <a:noFill/>
           <a:extLst>
             <a:ext uri="{909E8E84-426E-40dd-AFC4-6F175D3DCCD1}">
-              <a14:hiddenFill xmlns:a14="http://schemas.microsoft.com/office/drawing/2010/main" xmlns="">
+              <a14:hiddenFill xmlns="" xmlns:a14="http://schemas.microsoft.com/office/drawing/2010/main">
                 <a:solidFill>
                   <a:srgbClr val="FFFFFF"/>
                 </a:solidFill>
@@ -220,7 +240,7 @@
             </a:ln>
             <a:extLst>
               <a:ext uri="{91240B29-F687-4f45-9708-019B960494DF}">
-                <a14:hiddenLine xmlns:a14="http://schemas.microsoft.com/office/drawing/2010/main" xmlns="" w="9525">
+                <a14:hiddenLine xmlns="" xmlns:a14="http://schemas.microsoft.com/office/drawing/2010/main" w="9525">
                   <a:solidFill>
                     <a:srgbClr val="000000"/>
                   </a:solidFill>
@@ -310,7 +330,7 @@
             </a:ln>
             <a:extLst>
               <a:ext uri="{91240B29-F687-4f45-9708-019B960494DF}">
-                <a14:hiddenLine xmlns:a14="http://schemas.microsoft.com/office/drawing/2010/main" xmlns="" w="9525">
+                <a14:hiddenLine xmlns="" xmlns:a14="http://schemas.microsoft.com/office/drawing/2010/main" w="9525">
                   <a:solidFill>
                     <a:srgbClr val="000000"/>
                   </a:solidFill>
@@ -400,7 +420,7 @@
             </a:ln>
             <a:extLst>
               <a:ext uri="{91240B29-F687-4f45-9708-019B960494DF}">
-                <a14:hiddenLine xmlns:a14="http://schemas.microsoft.com/office/drawing/2010/main" xmlns="" w="9525">
+                <a14:hiddenLine xmlns="" xmlns:a14="http://schemas.microsoft.com/office/drawing/2010/main" w="9525">
                   <a:solidFill>
                     <a:srgbClr val="000000"/>
                   </a:solidFill>
@@ -434,7 +454,7 @@
             </a:ln>
             <a:extLst>
               <a:ext uri="{91240B29-F687-4f45-9708-019B960494DF}">
-                <a14:hiddenLine xmlns:a14="http://schemas.microsoft.com/office/drawing/2010/main" xmlns="" w="9525">
+                <a14:hiddenLine xmlns="" xmlns:a14="http://schemas.microsoft.com/office/drawing/2010/main" w="9525">
                   <a:solidFill>
                     <a:srgbClr val="000000"/>
                   </a:solidFill>
@@ -524,7 +544,7 @@
             </a:ln>
             <a:extLst>
               <a:ext uri="{91240B29-F687-4f45-9708-019B960494DF}">
-                <a14:hiddenLine xmlns:a14="http://schemas.microsoft.com/office/drawing/2010/main" xmlns="" w="9525">
+                <a14:hiddenLine xmlns="" xmlns:a14="http://schemas.microsoft.com/office/drawing/2010/main" w="9525">
                   <a:solidFill>
                     <a:srgbClr val="000000"/>
                   </a:solidFill>
@@ -586,7 +606,7 @@
             </a:ln>
             <a:extLst>
               <a:ext uri="{91240B29-F687-4f45-9708-019B960494DF}">
-                <a14:hiddenLine xmlns:a14="http://schemas.microsoft.com/office/drawing/2010/main" xmlns="" w="9525">
+                <a14:hiddenLine xmlns="" xmlns:a14="http://schemas.microsoft.com/office/drawing/2010/main" w="9525">
                   <a:solidFill>
                     <a:srgbClr val="000000"/>
                   </a:solidFill>
@@ -648,7 +668,7 @@
             </a:ln>
             <a:extLst>
               <a:ext uri="{91240B29-F687-4f45-9708-019B960494DF}">
-                <a14:hiddenLine xmlns:a14="http://schemas.microsoft.com/office/drawing/2010/main" xmlns="" w="9525">
+                <a14:hiddenLine xmlns="" xmlns:a14="http://schemas.microsoft.com/office/drawing/2010/main" w="9525">
                   <a:solidFill>
                     <a:srgbClr val="000000"/>
                   </a:solidFill>
@@ -738,7 +758,7 @@
             </a:ln>
             <a:extLst>
               <a:ext uri="{91240B29-F687-4f45-9708-019B960494DF}">
-                <a14:hiddenLine xmlns:a14="http://schemas.microsoft.com/office/drawing/2010/main" xmlns="" w="9525">
+                <a14:hiddenLine xmlns="" xmlns:a14="http://schemas.microsoft.com/office/drawing/2010/main" w="9525">
                   <a:solidFill>
                     <a:srgbClr val="000000"/>
                   </a:solidFill>
@@ -800,7 +820,7 @@
             </a:ln>
             <a:extLst>
               <a:ext uri="{91240B29-F687-4f45-9708-019B960494DF}">
-                <a14:hiddenLine xmlns:a14="http://schemas.microsoft.com/office/drawing/2010/main" xmlns="" w="9525">
+                <a14:hiddenLine xmlns="" xmlns:a14="http://schemas.microsoft.com/office/drawing/2010/main" w="9525">
                   <a:solidFill>
                     <a:srgbClr val="000000"/>
                   </a:solidFill>
@@ -862,7 +882,7 @@
             </a:ln>
             <a:extLst>
               <a:ext uri="{91240B29-F687-4f45-9708-019B960494DF}">
-                <a14:hiddenLine xmlns:a14="http://schemas.microsoft.com/office/drawing/2010/main" xmlns="" w="9525">
+                <a14:hiddenLine xmlns="" xmlns:a14="http://schemas.microsoft.com/office/drawing/2010/main" w="9525">
                   <a:solidFill>
                     <a:srgbClr val="000000"/>
                   </a:solidFill>
@@ -952,7 +972,7 @@
             </a:ln>
             <a:extLst>
               <a:ext uri="{91240B29-F687-4f45-9708-019B960494DF}">
-                <a14:hiddenLine xmlns:a14="http://schemas.microsoft.com/office/drawing/2010/main" xmlns="" w="9525">
+                <a14:hiddenLine xmlns="" xmlns:a14="http://schemas.microsoft.com/office/drawing/2010/main" w="9525">
                   <a:solidFill>
                     <a:srgbClr val="000000"/>
                   </a:solidFill>
@@ -1042,7 +1062,7 @@
             </a:ln>
             <a:extLst>
               <a:ext uri="{91240B29-F687-4f45-9708-019B960494DF}">
-                <a14:hiddenLine xmlns:a14="http://schemas.microsoft.com/office/drawing/2010/main" xmlns="" w="9525">
+                <a14:hiddenLine xmlns="" xmlns:a14="http://schemas.microsoft.com/office/drawing/2010/main" w="9525">
                   <a:solidFill>
                     <a:srgbClr val="000000"/>
                   </a:solidFill>
@@ -1104,7 +1124,7 @@
             </a:ln>
             <a:extLst>
               <a:ext uri="{91240B29-F687-4f45-9708-019B960494DF}">
-                <a14:hiddenLine xmlns:a14="http://schemas.microsoft.com/office/drawing/2010/main" xmlns="" w="9525">
+                <a14:hiddenLine xmlns="" xmlns:a14="http://schemas.microsoft.com/office/drawing/2010/main" w="9525">
                   <a:solidFill>
                     <a:srgbClr val="000000"/>
                   </a:solidFill>
@@ -1214,7 +1234,7 @@
             </a:ln>
             <a:extLst>
               <a:ext uri="{91240B29-F687-4f45-9708-019B960494DF}">
-                <a14:hiddenLine xmlns:a14="http://schemas.microsoft.com/office/drawing/2010/main" xmlns="" w="9525">
+                <a14:hiddenLine xmlns="" xmlns:a14="http://schemas.microsoft.com/office/drawing/2010/main" w="9525">
                   <a:solidFill>
                     <a:srgbClr val="000000"/>
                   </a:solidFill>
@@ -1276,7 +1296,7 @@
             </a:ln>
             <a:extLst>
               <a:ext uri="{91240B29-F687-4f45-9708-019B960494DF}">
-                <a14:hiddenLine xmlns:a14="http://schemas.microsoft.com/office/drawing/2010/main" xmlns="" w="9525">
+                <a14:hiddenLine xmlns="" xmlns:a14="http://schemas.microsoft.com/office/drawing/2010/main" w="9525">
                   <a:solidFill>
                     <a:srgbClr val="000000"/>
                   </a:solidFill>
@@ -1366,7 +1386,7 @@
             </a:ln>
             <a:extLst>
               <a:ext uri="{91240B29-F687-4f45-9708-019B960494DF}">
-                <a14:hiddenLine xmlns:a14="http://schemas.microsoft.com/office/drawing/2010/main" xmlns="" w="9525">
+                <a14:hiddenLine xmlns="" xmlns:a14="http://schemas.microsoft.com/office/drawing/2010/main" w="9525">
                   <a:solidFill>
                     <a:srgbClr val="000000"/>
                   </a:solidFill>
@@ -1456,7 +1476,7 @@
             </a:ln>
             <a:extLst>
               <a:ext uri="{91240B29-F687-4f45-9708-019B960494DF}">
-                <a14:hiddenLine xmlns:a14="http://schemas.microsoft.com/office/drawing/2010/main" xmlns="" w="9525">
+                <a14:hiddenLine xmlns="" xmlns:a14="http://schemas.microsoft.com/office/drawing/2010/main" w="9525">
                   <a:solidFill>
                     <a:srgbClr val="000000"/>
                   </a:solidFill>
@@ -1518,7 +1538,7 @@
             </a:ln>
             <a:extLst>
               <a:ext uri="{91240B29-F687-4f45-9708-019B960494DF}">
-                <a14:hiddenLine xmlns:a14="http://schemas.microsoft.com/office/drawing/2010/main" xmlns="" w="9525">
+                <a14:hiddenLine xmlns="" xmlns:a14="http://schemas.microsoft.com/office/drawing/2010/main" w="9525">
                   <a:solidFill>
                     <a:srgbClr val="000000"/>
                   </a:solidFill>
@@ -1608,7 +1628,7 @@
             </a:ln>
             <a:extLst>
               <a:ext uri="{91240B29-F687-4f45-9708-019B960494DF}">
-                <a14:hiddenLine xmlns:a14="http://schemas.microsoft.com/office/drawing/2010/main" xmlns="" w="9525">
+                <a14:hiddenLine xmlns="" xmlns:a14="http://schemas.microsoft.com/office/drawing/2010/main" w="9525">
                   <a:solidFill>
                     <a:srgbClr val="000000"/>
                   </a:solidFill>
@@ -1698,7 +1718,7 @@
             </a:ln>
             <a:extLst>
               <a:ext uri="{91240B29-F687-4f45-9708-019B960494DF}">
-                <a14:hiddenLine xmlns:a14="http://schemas.microsoft.com/office/drawing/2010/main" xmlns="" w="9525">
+                <a14:hiddenLine xmlns="" xmlns:a14="http://schemas.microsoft.com/office/drawing/2010/main" w="9525">
                   <a:solidFill>
                     <a:srgbClr val="000000"/>
                   </a:solidFill>
@@ -1754,7 +1774,7 @@
             </a:ln>
             <a:extLst>
               <a:ext uri="{91240B29-F687-4f45-9708-019B960494DF}">
-                <a14:hiddenLine xmlns:a14="http://schemas.microsoft.com/office/drawing/2010/main" xmlns="" w="9525">
+                <a14:hiddenLine xmlns="" xmlns:a14="http://schemas.microsoft.com/office/drawing/2010/main" w="9525">
                   <a:solidFill>
                     <a:srgbClr val="000000"/>
                   </a:solidFill>
@@ -1844,7 +1864,7 @@
             </a:ln>
             <a:extLst>
               <a:ext uri="{91240B29-F687-4f45-9708-019B960494DF}">
-                <a14:hiddenLine xmlns:a14="http://schemas.microsoft.com/office/drawing/2010/main" xmlns="" w="9525">
+                <a14:hiddenLine xmlns="" xmlns:a14="http://schemas.microsoft.com/office/drawing/2010/main" w="9525">
                   <a:solidFill>
                     <a:srgbClr val="000000"/>
                   </a:solidFill>
@@ -1900,7 +1920,7 @@
             </a:ln>
             <a:extLst>
               <a:ext uri="{91240B29-F687-4f45-9708-019B960494DF}">
-                <a14:hiddenLine xmlns:a14="http://schemas.microsoft.com/office/drawing/2010/main" xmlns="" w="9525">
+                <a14:hiddenLine xmlns="" xmlns:a14="http://schemas.microsoft.com/office/drawing/2010/main" w="9525">
                   <a:solidFill>
                     <a:srgbClr val="000000"/>
                   </a:solidFill>
@@ -1990,7 +2010,7 @@
             </a:ln>
             <a:extLst>
               <a:ext uri="{91240B29-F687-4f45-9708-019B960494DF}">
-                <a14:hiddenLine xmlns:a14="http://schemas.microsoft.com/office/drawing/2010/main" xmlns="" w="9525">
+                <a14:hiddenLine xmlns="" xmlns:a14="http://schemas.microsoft.com/office/drawing/2010/main" w="9525">
                   <a:solidFill>
                     <a:srgbClr val="000000"/>
                   </a:solidFill>
@@ -2058,7 +2078,7 @@
             </a:ln>
             <a:extLst>
               <a:ext uri="{91240B29-F687-4f45-9708-019B960494DF}">
-                <a14:hiddenLine xmlns:a14="http://schemas.microsoft.com/office/drawing/2010/main" xmlns="" w="9525">
+                <a14:hiddenLine xmlns="" xmlns:a14="http://schemas.microsoft.com/office/drawing/2010/main" w="9525">
                   <a:solidFill>
                     <a:srgbClr val="000000"/>
                   </a:solidFill>
@@ -2148,7 +2168,7 @@
             </a:ln>
             <a:extLst>
               <a:ext uri="{91240B29-F687-4f45-9708-019B960494DF}">
-                <a14:hiddenLine xmlns:a14="http://schemas.microsoft.com/office/drawing/2010/main" xmlns="" w="9525">
+                <a14:hiddenLine xmlns="" xmlns:a14="http://schemas.microsoft.com/office/drawing/2010/main" w="9525">
                   <a:solidFill>
                     <a:srgbClr val="000000"/>
                   </a:solidFill>
@@ -2216,7 +2236,7 @@
             </a:ln>
             <a:extLst>
               <a:ext uri="{91240B29-F687-4f45-9708-019B960494DF}">
-                <a14:hiddenLine xmlns:a14="http://schemas.microsoft.com/office/drawing/2010/main" xmlns="" w="9525">
+                <a14:hiddenLine xmlns="" xmlns:a14="http://schemas.microsoft.com/office/drawing/2010/main" w="9525">
                   <a:solidFill>
                     <a:srgbClr val="000000"/>
                   </a:solidFill>
@@ -2306,7 +2326,7 @@
             </a:ln>
             <a:extLst>
               <a:ext uri="{91240B29-F687-4f45-9708-019B960494DF}">
-                <a14:hiddenLine xmlns:a14="http://schemas.microsoft.com/office/drawing/2010/main" xmlns="" w="9525">
+                <a14:hiddenLine xmlns="" xmlns:a14="http://schemas.microsoft.com/office/drawing/2010/main" w="9525">
                   <a:solidFill>
                     <a:srgbClr val="000000"/>
                   </a:solidFill>
@@ -2340,7 +2360,7 @@
             </a:ln>
             <a:extLst>
               <a:ext uri="{91240B29-F687-4f45-9708-019B960494DF}">
-                <a14:hiddenLine xmlns:a14="http://schemas.microsoft.com/office/drawing/2010/main" xmlns="" w="9525">
+                <a14:hiddenLine xmlns="" xmlns:a14="http://schemas.microsoft.com/office/drawing/2010/main" w="9525">
                   <a:solidFill>
                     <a:srgbClr val="000000"/>
                   </a:solidFill>
@@ -2430,7 +2450,7 @@
             </a:ln>
             <a:extLst>
               <a:ext uri="{91240B29-F687-4f45-9708-019B960494DF}">
-                <a14:hiddenLine xmlns:a14="http://schemas.microsoft.com/office/drawing/2010/main" xmlns="" w="9525">
+                <a14:hiddenLine xmlns="" xmlns:a14="http://schemas.microsoft.com/office/drawing/2010/main" w="9525">
                   <a:solidFill>
                     <a:srgbClr val="000000"/>
                   </a:solidFill>
@@ -2492,7 +2512,7 @@
             </a:ln>
             <a:extLst>
               <a:ext uri="{91240B29-F687-4f45-9708-019B960494DF}">
-                <a14:hiddenLine xmlns:a14="http://schemas.microsoft.com/office/drawing/2010/main" xmlns="" w="9525">
+                <a14:hiddenLine xmlns="" xmlns:a14="http://schemas.microsoft.com/office/drawing/2010/main" w="9525">
                   <a:solidFill>
                     <a:srgbClr val="000000"/>
                   </a:solidFill>
@@ -2554,7 +2574,7 @@
             </a:ln>
             <a:extLst>
               <a:ext uri="{91240B29-F687-4f45-9708-019B960494DF}">
-                <a14:hiddenLine xmlns:a14="http://schemas.microsoft.com/office/drawing/2010/main" xmlns="" w="9525">
+                <a14:hiddenLine xmlns="" xmlns:a14="http://schemas.microsoft.com/office/drawing/2010/main" w="9525">
                   <a:solidFill>
                     <a:srgbClr val="000000"/>
                   </a:solidFill>
@@ -2644,7 +2664,7 @@
             </a:ln>
             <a:extLst>
               <a:ext uri="{91240B29-F687-4f45-9708-019B960494DF}">
-                <a14:hiddenLine xmlns:a14="http://schemas.microsoft.com/office/drawing/2010/main" xmlns="" w="9525">
+                <a14:hiddenLine xmlns="" xmlns:a14="http://schemas.microsoft.com/office/drawing/2010/main" w="9525">
                   <a:solidFill>
                     <a:srgbClr val="000000"/>
                   </a:solidFill>
@@ -2712,7 +2732,7 @@
             </a:ln>
             <a:extLst>
               <a:ext uri="{91240B29-F687-4f45-9708-019B960494DF}">
-                <a14:hiddenLine xmlns:a14="http://schemas.microsoft.com/office/drawing/2010/main" xmlns="" w="9525">
+                <a14:hiddenLine xmlns="" xmlns:a14="http://schemas.microsoft.com/office/drawing/2010/main" w="9525">
                   <a:solidFill>
                     <a:srgbClr val="000000"/>
                   </a:solidFill>
@@ -2774,7 +2794,7 @@
             </a:ln>
             <a:extLst>
               <a:ext uri="{91240B29-F687-4f45-9708-019B960494DF}">
-                <a14:hiddenLine xmlns:a14="http://schemas.microsoft.com/office/drawing/2010/main" xmlns="" w="9525">
+                <a14:hiddenLine xmlns="" xmlns:a14="http://schemas.microsoft.com/office/drawing/2010/main" w="9525">
                   <a:solidFill>
                     <a:srgbClr val="000000"/>
                   </a:solidFill>
@@ -2864,7 +2884,7 @@
             </a:ln>
             <a:extLst>
               <a:ext uri="{91240B29-F687-4f45-9708-019B960494DF}">
-                <a14:hiddenLine xmlns:a14="http://schemas.microsoft.com/office/drawing/2010/main" xmlns="" w="9525">
+                <a14:hiddenLine xmlns="" xmlns:a14="http://schemas.microsoft.com/office/drawing/2010/main" w="9525">
                   <a:solidFill>
                     <a:srgbClr val="000000"/>
                   </a:solidFill>
@@ -2926,7 +2946,7 @@
             </a:ln>
             <a:extLst>
               <a:ext uri="{91240B29-F687-4f45-9708-019B960494DF}">
-                <a14:hiddenLine xmlns:a14="http://schemas.microsoft.com/office/drawing/2010/main" xmlns="" w="9525">
+                <a14:hiddenLine xmlns="" xmlns:a14="http://schemas.microsoft.com/office/drawing/2010/main" w="9525">
                   <a:solidFill>
                     <a:srgbClr val="000000"/>
                   </a:solidFill>
@@ -3016,7 +3036,7 @@
             </a:ln>
             <a:extLst>
               <a:ext uri="{91240B29-F687-4f45-9708-019B960494DF}">
-                <a14:hiddenLine xmlns:a14="http://schemas.microsoft.com/office/drawing/2010/main" xmlns="" w="9525">
+                <a14:hiddenLine xmlns="" xmlns:a14="http://schemas.microsoft.com/office/drawing/2010/main" w="9525">
                   <a:solidFill>
                     <a:srgbClr val="000000"/>
                   </a:solidFill>
@@ -3078,7 +3098,7 @@
             </a:ln>
             <a:extLst>
               <a:ext uri="{91240B29-F687-4f45-9708-019B960494DF}">
-                <a14:hiddenLine xmlns:a14="http://schemas.microsoft.com/office/drawing/2010/main" xmlns="" w="9525">
+                <a14:hiddenLine xmlns="" xmlns:a14="http://schemas.microsoft.com/office/drawing/2010/main" w="9525">
                   <a:solidFill>
                     <a:srgbClr val="000000"/>
                   </a:solidFill>
@@ -3168,7 +3188,7 @@
             </a:ln>
             <a:extLst>
               <a:ext uri="{91240B29-F687-4f45-9708-019B960494DF}">
-                <a14:hiddenLine xmlns:a14="http://schemas.microsoft.com/office/drawing/2010/main" xmlns="" w="9525">
+                <a14:hiddenLine xmlns="" xmlns:a14="http://schemas.microsoft.com/office/drawing/2010/main" w="9525">
                   <a:solidFill>
                     <a:srgbClr val="000000"/>
                   </a:solidFill>
@@ -3202,7 +3222,7 @@
             </a:ln>
             <a:extLst>
               <a:ext uri="{91240B29-F687-4f45-9708-019B960494DF}">
-                <a14:hiddenLine xmlns:a14="http://schemas.microsoft.com/office/drawing/2010/main" xmlns="" w="9525">
+                <a14:hiddenLine xmlns="" xmlns:a14="http://schemas.microsoft.com/office/drawing/2010/main" w="9525">
                   <a:solidFill>
                     <a:srgbClr val="000000"/>
                   </a:solidFill>
@@ -3267,7 +3287,7 @@
             </a:ln>
             <a:extLst>
               <a:ext uri="{91240B29-F687-4f45-9708-019B960494DF}">
-                <a14:hiddenLine xmlns:a14="http://schemas.microsoft.com/office/drawing/2010/main" xmlns="" w="9525">
+                <a14:hiddenLine xmlns="" xmlns:a14="http://schemas.microsoft.com/office/drawing/2010/main" w="9525">
                   <a:solidFill>
                     <a:srgbClr val="000000"/>
                   </a:solidFill>
@@ -3357,7 +3377,7 @@
             </a:ln>
             <a:extLst>
               <a:ext uri="{91240B29-F687-4f45-9708-019B960494DF}">
-                <a14:hiddenLine xmlns:a14="http://schemas.microsoft.com/office/drawing/2010/main" xmlns="" w="9525">
+                <a14:hiddenLine xmlns="" xmlns:a14="http://schemas.microsoft.com/office/drawing/2010/main" w="9525">
                   <a:solidFill>
                     <a:srgbClr val="000000"/>
                   </a:solidFill>
@@ -3419,7 +3439,7 @@
             </a:ln>
             <a:extLst>
               <a:ext uri="{91240B29-F687-4f45-9708-019B960494DF}">
-                <a14:hiddenLine xmlns:a14="http://schemas.microsoft.com/office/drawing/2010/main" xmlns="" w="9525">
+                <a14:hiddenLine xmlns="" xmlns:a14="http://schemas.microsoft.com/office/drawing/2010/main" w="9525">
                   <a:solidFill>
                     <a:srgbClr val="000000"/>
                   </a:solidFill>
@@ -3509,7 +3529,7 @@
             </a:ln>
             <a:extLst>
               <a:ext uri="{91240B29-F687-4f45-9708-019B960494DF}">
-                <a14:hiddenLine xmlns:a14="http://schemas.microsoft.com/office/drawing/2010/main" xmlns="" w="9525">
+                <a14:hiddenLine xmlns="" xmlns:a14="http://schemas.microsoft.com/office/drawing/2010/main" w="9525">
                   <a:solidFill>
                     <a:srgbClr val="000000"/>
                   </a:solidFill>
@@ -3599,7 +3619,7 @@
             </a:ln>
             <a:extLst>
               <a:ext uri="{91240B29-F687-4f45-9708-019B960494DF}">
-                <a14:hiddenLine xmlns:a14="http://schemas.microsoft.com/office/drawing/2010/main" xmlns="" w="9525">
+                <a14:hiddenLine xmlns="" xmlns:a14="http://schemas.microsoft.com/office/drawing/2010/main" w="9525">
                   <a:solidFill>
                     <a:srgbClr val="000000"/>
                   </a:solidFill>
@@ -3664,7 +3684,7 @@
             </a:ln>
             <a:extLst>
               <a:ext uri="{91240B29-F687-4f45-9708-019B960494DF}">
-                <a14:hiddenLine xmlns:a14="http://schemas.microsoft.com/office/drawing/2010/main" xmlns="" w="9525">
+                <a14:hiddenLine xmlns="" xmlns:a14="http://schemas.microsoft.com/office/drawing/2010/main" w="9525">
                   <a:solidFill>
                     <a:srgbClr val="000000"/>
                   </a:solidFill>
@@ -3726,7 +3746,7 @@
             </a:ln>
             <a:extLst>
               <a:ext uri="{91240B29-F687-4f45-9708-019B960494DF}">
-                <a14:hiddenLine xmlns:a14="http://schemas.microsoft.com/office/drawing/2010/main" xmlns="" w="9525">
+                <a14:hiddenLine xmlns="" xmlns:a14="http://schemas.microsoft.com/office/drawing/2010/main" w="9525">
                   <a:solidFill>
                     <a:srgbClr val="000000"/>
                   </a:solidFill>
@@ -3816,7 +3836,7 @@
             </a:ln>
             <a:extLst>
               <a:ext uri="{91240B29-F687-4f45-9708-019B960494DF}">
-                <a14:hiddenLine xmlns:a14="http://schemas.microsoft.com/office/drawing/2010/main" xmlns="" w="9525">
+                <a14:hiddenLine xmlns="" xmlns:a14="http://schemas.microsoft.com/office/drawing/2010/main" w="9525">
                   <a:solidFill>
                     <a:srgbClr val="000000"/>
                   </a:solidFill>
@@ -3906,7 +3926,7 @@
             </a:ln>
             <a:extLst>
               <a:ext uri="{91240B29-F687-4f45-9708-019B960494DF}">
-                <a14:hiddenLine xmlns:a14="http://schemas.microsoft.com/office/drawing/2010/main" xmlns="" w="9525">
+                <a14:hiddenLine xmlns="" xmlns:a14="http://schemas.microsoft.com/office/drawing/2010/main" w="9525">
                   <a:solidFill>
                     <a:srgbClr val="000000"/>
                   </a:solidFill>
@@ -3968,7 +3988,7 @@
             </a:ln>
             <a:extLst>
               <a:ext uri="{91240B29-F687-4f45-9708-019B960494DF}">
-                <a14:hiddenLine xmlns:a14="http://schemas.microsoft.com/office/drawing/2010/main" xmlns="" w="9525">
+                <a14:hiddenLine xmlns="" xmlns:a14="http://schemas.microsoft.com/office/drawing/2010/main" w="9525">
                   <a:solidFill>
                     <a:srgbClr val="000000"/>
                   </a:solidFill>
@@ -4088,7 +4108,7 @@
             </a:ln>
             <a:extLst>
               <a:ext uri="{91240B29-F687-4f45-9708-019B960494DF}">
-                <a14:hiddenLine xmlns:a14="http://schemas.microsoft.com/office/drawing/2010/main" xmlns="" w="9525">
+                <a14:hiddenLine xmlns="" xmlns:a14="http://schemas.microsoft.com/office/drawing/2010/main" w="9525">
                   <a:solidFill>
                     <a:srgbClr val="000000"/>
                   </a:solidFill>
@@ -4156,7 +4176,7 @@
             </a:ln>
             <a:extLst>
               <a:ext uri="{91240B29-F687-4f45-9708-019B960494DF}">
-                <a14:hiddenLine xmlns:a14="http://schemas.microsoft.com/office/drawing/2010/main" xmlns="" w="9525">
+                <a14:hiddenLine xmlns="" xmlns:a14="http://schemas.microsoft.com/office/drawing/2010/main" w="9525">
                   <a:solidFill>
                     <a:srgbClr val="000000"/>
                   </a:solidFill>
@@ -4246,7 +4266,7 @@
             </a:ln>
             <a:extLst>
               <a:ext uri="{91240B29-F687-4f45-9708-019B960494DF}">
-                <a14:hiddenLine xmlns:a14="http://schemas.microsoft.com/office/drawing/2010/main" xmlns="" w="9525">
+                <a14:hiddenLine xmlns="" xmlns:a14="http://schemas.microsoft.com/office/drawing/2010/main" w="9525">
                   <a:solidFill>
                     <a:srgbClr val="000000"/>
                   </a:solidFill>
@@ -4386,7 +4406,7 @@
           <a:p>
             <a:fld id="{48A87A34-81AB-432B-8DAE-1953F412C126}" type="datetimeFigureOut">
               <a:rPr lang="en-US" dirty="0"/>
-              <a:t>8/10/2015</a:t>
+              <a:t>9/15/2015</a:t>
             </a:fld>
             <a:endParaRPr lang="en-US" dirty="0"/>
           </a:p>
@@ -4648,7 +4668,7 @@
           <a:p>
             <a:fld id="{48A87A34-81AB-432B-8DAE-1953F412C126}" type="datetimeFigureOut">
               <a:rPr lang="en-US" dirty="0"/>
-              <a:t>8/10/2015</a:t>
+              <a:t>9/15/2015</a:t>
             </a:fld>
             <a:endParaRPr lang="en-US" dirty="0"/>
           </a:p>
@@ -4839,7 +4859,7 @@
           <a:p>
             <a:fld id="{48A87A34-81AB-432B-8DAE-1953F412C126}" type="datetimeFigureOut">
               <a:rPr lang="en-US" dirty="0"/>
-              <a:t>8/10/2015</a:t>
+              <a:t>9/15/2015</a:t>
             </a:fld>
             <a:endParaRPr lang="en-US" dirty="0"/>
           </a:p>
@@ -5097,7 +5117,7 @@
           <a:p>
             <a:fld id="{48A87A34-81AB-432B-8DAE-1953F412C126}" type="datetimeFigureOut">
               <a:rPr lang="en-US" dirty="0"/>
-              <a:t>8/10/2015</a:t>
+              <a:t>9/15/2015</a:t>
             </a:fld>
             <a:endParaRPr lang="en-US" dirty="0"/>
           </a:p>
@@ -5526,7 +5546,7 @@
           <a:p>
             <a:fld id="{48A87A34-81AB-432B-8DAE-1953F412C126}" type="datetimeFigureOut">
               <a:rPr lang="en-US" dirty="0"/>
-              <a:t>8/10/2015</a:t>
+              <a:t>9/15/2015</a:t>
             </a:fld>
             <a:endParaRPr lang="en-US" dirty="0"/>
           </a:p>
@@ -6067,7 +6087,7 @@
           <a:p>
             <a:fld id="{48A87A34-81AB-432B-8DAE-1953F412C126}" type="datetimeFigureOut">
               <a:rPr lang="en-US" dirty="0"/>
-              <a:t>8/10/2015</a:t>
+              <a:t>9/15/2015</a:t>
             </a:fld>
             <a:endParaRPr lang="en-US" dirty="0"/>
           </a:p>
@@ -6782,7 +6802,7 @@
           <a:p>
             <a:fld id="{48A87A34-81AB-432B-8DAE-1953F412C126}" type="datetimeFigureOut">
               <a:rPr lang="en-US" dirty="0"/>
-              <a:t>8/10/2015</a:t>
+              <a:t>9/15/2015</a:t>
             </a:fld>
             <a:endParaRPr lang="en-US" dirty="0"/>
           </a:p>
@@ -6947,7 +6967,7 @@
           <a:p>
             <a:fld id="{48A87A34-81AB-432B-8DAE-1953F412C126}" type="datetimeFigureOut">
               <a:rPr lang="en-US" dirty="0"/>
-              <a:t>8/10/2015</a:t>
+              <a:t>9/15/2015</a:t>
             </a:fld>
             <a:endParaRPr lang="en-US" dirty="0"/>
           </a:p>
@@ -7122,7 +7142,7 @@
           <a:p>
             <a:fld id="{48A87A34-81AB-432B-8DAE-1953F412C126}" type="datetimeFigureOut">
               <a:rPr lang="en-US" dirty="0"/>
-              <a:t>8/10/2015</a:t>
+              <a:t>9/15/2015</a:t>
             </a:fld>
             <a:endParaRPr lang="en-US" dirty="0"/>
           </a:p>
@@ -7287,7 +7307,7 @@
           <a:p>
             <a:fld id="{48A87A34-81AB-432B-8DAE-1953F412C126}" type="datetimeFigureOut">
               <a:rPr lang="en-US" dirty="0"/>
-              <a:t>8/10/2015</a:t>
+              <a:t>9/15/2015</a:t>
             </a:fld>
             <a:endParaRPr lang="en-US" dirty="0"/>
           </a:p>
@@ -7532,7 +7552,7 @@
           <a:p>
             <a:fld id="{48A87A34-81AB-432B-8DAE-1953F412C126}" type="datetimeFigureOut">
               <a:rPr lang="en-US" dirty="0"/>
-              <a:t>8/10/2015</a:t>
+              <a:t>9/15/2015</a:t>
             </a:fld>
             <a:endParaRPr lang="en-US" dirty="0"/>
           </a:p>
@@ -7759,7 +7779,7 @@
           <a:p>
             <a:fld id="{48A87A34-81AB-432B-8DAE-1953F412C126}" type="datetimeFigureOut">
               <a:rPr lang="en-US" dirty="0"/>
-              <a:t>8/10/2015</a:t>
+              <a:t>9/15/2015</a:t>
             </a:fld>
             <a:endParaRPr lang="en-US" dirty="0"/>
           </a:p>
@@ -8135,7 +8155,7 @@
           <a:p>
             <a:fld id="{48A87A34-81AB-432B-8DAE-1953F412C126}" type="datetimeFigureOut">
               <a:rPr lang="en-US" dirty="0"/>
-              <a:t>8/10/2015</a:t>
+              <a:t>9/15/2015</a:t>
             </a:fld>
             <a:endParaRPr lang="en-US" dirty="0"/>
           </a:p>
@@ -8248,7 +8268,7 @@
           <a:p>
             <a:fld id="{48A87A34-81AB-432B-8DAE-1953F412C126}" type="datetimeFigureOut">
               <a:rPr lang="en-US" dirty="0"/>
-              <a:t>8/10/2015</a:t>
+              <a:t>9/15/2015</a:t>
             </a:fld>
             <a:endParaRPr lang="en-US" dirty="0"/>
           </a:p>
@@ -8338,7 +8358,7 @@
           <a:p>
             <a:fld id="{48A87A34-81AB-432B-8DAE-1953F412C126}" type="datetimeFigureOut">
               <a:rPr lang="en-US" dirty="0"/>
-              <a:t>8/10/2015</a:t>
+              <a:t>9/15/2015</a:t>
             </a:fld>
             <a:endParaRPr lang="en-US" dirty="0"/>
           </a:p>
@@ -8582,7 +8602,7 @@
           <a:p>
             <a:fld id="{48A87A34-81AB-432B-8DAE-1953F412C126}" type="datetimeFigureOut">
               <a:rPr lang="en-US" dirty="0"/>
-              <a:t>8/10/2015</a:t>
+              <a:t>9/15/2015</a:t>
             </a:fld>
             <a:endParaRPr lang="en-US" dirty="0"/>
           </a:p>
@@ -8857,7 +8877,7 @@
           <a:p>
             <a:fld id="{48A87A34-81AB-432B-8DAE-1953F412C126}" type="datetimeFigureOut">
               <a:rPr lang="en-US" dirty="0"/>
-              <a:t>8/10/2015</a:t>
+              <a:t>9/15/2015</a:t>
             </a:fld>
             <a:endParaRPr lang="en-US" dirty="0"/>
           </a:p>
@@ -8968,7 +8988,7 @@
           <a:noFill/>
           <a:extLst>
             <a:ext uri="{909E8E84-426E-40dd-AFC4-6F175D3DCCD1}">
-              <a14:hiddenFill xmlns:a14="http://schemas.microsoft.com/office/drawing/2010/main" xmlns="">
+              <a14:hiddenFill xmlns="" xmlns:a14="http://schemas.microsoft.com/office/drawing/2010/main">
                 <a:solidFill>
                   <a:srgbClr val="FFFFFF"/>
                 </a:solidFill>
@@ -9042,7 +9062,7 @@
               </a:ln>
               <a:extLst>
                 <a:ext uri="{91240B29-F687-4f45-9708-019B960494DF}">
-                  <a14:hiddenLine xmlns:a14="http://schemas.microsoft.com/office/drawing/2010/main" xmlns="" w="9525">
+                  <a14:hiddenLine xmlns="" xmlns:a14="http://schemas.microsoft.com/office/drawing/2010/main" w="9525">
                     <a:solidFill>
                       <a:srgbClr val="000000"/>
                     </a:solidFill>
@@ -9132,7 +9152,7 @@
               </a:ln>
               <a:extLst>
                 <a:ext uri="{91240B29-F687-4f45-9708-019B960494DF}">
-                  <a14:hiddenLine xmlns:a14="http://schemas.microsoft.com/office/drawing/2010/main" xmlns="" w="9525">
+                  <a14:hiddenLine xmlns="" xmlns:a14="http://schemas.microsoft.com/office/drawing/2010/main" w="9525">
                     <a:solidFill>
                       <a:srgbClr val="000000"/>
                     </a:solidFill>
@@ -9222,7 +9242,7 @@
               </a:ln>
               <a:extLst>
                 <a:ext uri="{91240B29-F687-4f45-9708-019B960494DF}">
-                  <a14:hiddenLine xmlns:a14="http://schemas.microsoft.com/office/drawing/2010/main" xmlns="" w="9525">
+                  <a14:hiddenLine xmlns="" xmlns:a14="http://schemas.microsoft.com/office/drawing/2010/main" w="9525">
                     <a:solidFill>
                       <a:srgbClr val="000000"/>
                     </a:solidFill>
@@ -9284,7 +9304,7 @@
               </a:ln>
               <a:extLst>
                 <a:ext uri="{91240B29-F687-4f45-9708-019B960494DF}">
-                  <a14:hiddenLine xmlns:a14="http://schemas.microsoft.com/office/drawing/2010/main" xmlns="" w="9525">
+                  <a14:hiddenLine xmlns="" xmlns:a14="http://schemas.microsoft.com/office/drawing/2010/main" w="9525">
                     <a:solidFill>
                       <a:srgbClr val="000000"/>
                     </a:solidFill>
@@ -9374,7 +9394,7 @@
               </a:ln>
               <a:extLst>
                 <a:ext uri="{91240B29-F687-4f45-9708-019B960494DF}">
-                  <a14:hiddenLine xmlns:a14="http://schemas.microsoft.com/office/drawing/2010/main" xmlns="" w="9525">
+                  <a14:hiddenLine xmlns="" xmlns:a14="http://schemas.microsoft.com/office/drawing/2010/main" w="9525">
                     <a:solidFill>
                       <a:srgbClr val="000000"/>
                     </a:solidFill>
@@ -9436,7 +9456,7 @@
               </a:ln>
               <a:extLst>
                 <a:ext uri="{91240B29-F687-4f45-9708-019B960494DF}">
-                  <a14:hiddenLine xmlns:a14="http://schemas.microsoft.com/office/drawing/2010/main" xmlns="" w="9525">
+                  <a14:hiddenLine xmlns="" xmlns:a14="http://schemas.microsoft.com/office/drawing/2010/main" w="9525">
                     <a:solidFill>
                       <a:srgbClr val="000000"/>
                     </a:solidFill>
@@ -9498,7 +9518,7 @@
               </a:ln>
               <a:extLst>
                 <a:ext uri="{91240B29-F687-4f45-9708-019B960494DF}">
-                  <a14:hiddenLine xmlns:a14="http://schemas.microsoft.com/office/drawing/2010/main" xmlns="" w="9525">
+                  <a14:hiddenLine xmlns="" xmlns:a14="http://schemas.microsoft.com/office/drawing/2010/main" w="9525">
                     <a:solidFill>
                       <a:srgbClr val="000000"/>
                     </a:solidFill>
@@ -9588,7 +9608,7 @@
               </a:ln>
               <a:extLst>
                 <a:ext uri="{91240B29-F687-4f45-9708-019B960494DF}">
-                  <a14:hiddenLine xmlns:a14="http://schemas.microsoft.com/office/drawing/2010/main" xmlns="" w="9525">
+                  <a14:hiddenLine xmlns="" xmlns:a14="http://schemas.microsoft.com/office/drawing/2010/main" w="9525">
                     <a:solidFill>
                       <a:srgbClr val="000000"/>
                     </a:solidFill>
@@ -9678,7 +9698,7 @@
               </a:ln>
               <a:extLst>
                 <a:ext uri="{91240B29-F687-4f45-9708-019B960494DF}">
-                  <a14:hiddenLine xmlns:a14="http://schemas.microsoft.com/office/drawing/2010/main" xmlns="" w="9525">
+                  <a14:hiddenLine xmlns="" xmlns:a14="http://schemas.microsoft.com/office/drawing/2010/main" w="9525">
                     <a:solidFill>
                       <a:srgbClr val="000000"/>
                     </a:solidFill>
@@ -9740,7 +9760,7 @@
               </a:ln>
               <a:extLst>
                 <a:ext uri="{91240B29-F687-4f45-9708-019B960494DF}">
-                  <a14:hiddenLine xmlns:a14="http://schemas.microsoft.com/office/drawing/2010/main" xmlns="" w="9525">
+                  <a14:hiddenLine xmlns="" xmlns:a14="http://schemas.microsoft.com/office/drawing/2010/main" w="9525">
                     <a:solidFill>
                       <a:srgbClr val="000000"/>
                     </a:solidFill>
@@ -9850,7 +9870,7 @@
               </a:ln>
               <a:extLst>
                 <a:ext uri="{91240B29-F687-4f45-9708-019B960494DF}">
-                  <a14:hiddenLine xmlns:a14="http://schemas.microsoft.com/office/drawing/2010/main" xmlns="" w="9525">
+                  <a14:hiddenLine xmlns="" xmlns:a14="http://schemas.microsoft.com/office/drawing/2010/main" w="9525">
                     <a:solidFill>
                       <a:srgbClr val="000000"/>
                     </a:solidFill>
@@ -9934,7 +9954,7 @@
               </a:ln>
               <a:extLst>
                 <a:ext uri="{91240B29-F687-4f45-9708-019B960494DF}">
-                  <a14:hiddenLine xmlns:a14="http://schemas.microsoft.com/office/drawing/2010/main" xmlns="" w="9525">
+                  <a14:hiddenLine xmlns="" xmlns:a14="http://schemas.microsoft.com/office/drawing/2010/main" w="9525">
                     <a:solidFill>
                       <a:srgbClr val="000000"/>
                     </a:solidFill>
@@ -9996,7 +10016,7 @@
               </a:ln>
               <a:extLst>
                 <a:ext uri="{91240B29-F687-4f45-9708-019B960494DF}">
-                  <a14:hiddenLine xmlns:a14="http://schemas.microsoft.com/office/drawing/2010/main" xmlns="" w="9525">
+                  <a14:hiddenLine xmlns="" xmlns:a14="http://schemas.microsoft.com/office/drawing/2010/main" w="9525">
                     <a:solidFill>
                       <a:srgbClr val="000000"/>
                     </a:solidFill>
@@ -10058,7 +10078,7 @@
               </a:ln>
               <a:extLst>
                 <a:ext uri="{91240B29-F687-4f45-9708-019B960494DF}">
-                  <a14:hiddenLine xmlns:a14="http://schemas.microsoft.com/office/drawing/2010/main" xmlns="" w="9525">
+                  <a14:hiddenLine xmlns="" xmlns:a14="http://schemas.microsoft.com/office/drawing/2010/main" w="9525">
                     <a:solidFill>
                       <a:srgbClr val="000000"/>
                     </a:solidFill>
@@ -10148,7 +10168,7 @@
               </a:ln>
               <a:extLst>
                 <a:ext uri="{91240B29-F687-4f45-9708-019B960494DF}">
-                  <a14:hiddenLine xmlns:a14="http://schemas.microsoft.com/office/drawing/2010/main" xmlns="" w="9525">
+                  <a14:hiddenLine xmlns="" xmlns:a14="http://schemas.microsoft.com/office/drawing/2010/main" w="9525">
                     <a:solidFill>
                       <a:srgbClr val="000000"/>
                     </a:solidFill>
@@ -10182,7 +10202,7 @@
               </a:ln>
               <a:extLst>
                 <a:ext uri="{91240B29-F687-4f45-9708-019B960494DF}">
-                  <a14:hiddenLine xmlns:a14="http://schemas.microsoft.com/office/drawing/2010/main" xmlns="" w="9525">
+                  <a14:hiddenLine xmlns="" xmlns:a14="http://schemas.microsoft.com/office/drawing/2010/main" w="9525">
                     <a:solidFill>
                       <a:srgbClr val="000000"/>
                     </a:solidFill>
@@ -10247,7 +10267,7 @@
               </a:ln>
               <a:extLst>
                 <a:ext uri="{91240B29-F687-4f45-9708-019B960494DF}">
-                  <a14:hiddenLine xmlns:a14="http://schemas.microsoft.com/office/drawing/2010/main" xmlns="" w="9525">
+                  <a14:hiddenLine xmlns="" xmlns:a14="http://schemas.microsoft.com/office/drawing/2010/main" w="9525">
                     <a:solidFill>
                       <a:srgbClr val="000000"/>
                     </a:solidFill>
@@ -10337,7 +10357,7 @@
               </a:ln>
               <a:extLst>
                 <a:ext uri="{91240B29-F687-4f45-9708-019B960494DF}">
-                  <a14:hiddenLine xmlns:a14="http://schemas.microsoft.com/office/drawing/2010/main" xmlns="" w="9525">
+                  <a14:hiddenLine xmlns="" xmlns:a14="http://schemas.microsoft.com/office/drawing/2010/main" w="9525">
                     <a:solidFill>
                       <a:srgbClr val="000000"/>
                     </a:solidFill>
@@ -10399,7 +10419,7 @@
               </a:ln>
               <a:extLst>
                 <a:ext uri="{91240B29-F687-4f45-9708-019B960494DF}">
-                  <a14:hiddenLine xmlns:a14="http://schemas.microsoft.com/office/drawing/2010/main" xmlns="" w="9525">
+                  <a14:hiddenLine xmlns="" xmlns:a14="http://schemas.microsoft.com/office/drawing/2010/main" w="9525">
                     <a:solidFill>
                       <a:srgbClr val="000000"/>
                     </a:solidFill>
@@ -10489,7 +10509,7 @@
               </a:ln>
               <a:extLst>
                 <a:ext uri="{91240B29-F687-4f45-9708-019B960494DF}">
-                  <a14:hiddenLine xmlns:a14="http://schemas.microsoft.com/office/drawing/2010/main" xmlns="" w="9525">
+                  <a14:hiddenLine xmlns="" xmlns:a14="http://schemas.microsoft.com/office/drawing/2010/main" w="9525">
                     <a:solidFill>
                       <a:srgbClr val="000000"/>
                     </a:solidFill>
@@ -10554,7 +10574,7 @@
               </a:ln>
               <a:extLst>
                 <a:ext uri="{91240B29-F687-4f45-9708-019B960494DF}">
-                  <a14:hiddenLine xmlns:a14="http://schemas.microsoft.com/office/drawing/2010/main" xmlns="" w="9525">
+                  <a14:hiddenLine xmlns="" xmlns:a14="http://schemas.microsoft.com/office/drawing/2010/main" w="9525">
                     <a:solidFill>
                       <a:srgbClr val="000000"/>
                     </a:solidFill>
@@ -10616,7 +10636,7 @@
               </a:ln>
               <a:extLst>
                 <a:ext uri="{91240B29-F687-4f45-9708-019B960494DF}">
-                  <a14:hiddenLine xmlns:a14="http://schemas.microsoft.com/office/drawing/2010/main" xmlns="" w="9525">
+                  <a14:hiddenLine xmlns="" xmlns:a14="http://schemas.microsoft.com/office/drawing/2010/main" w="9525">
                     <a:solidFill>
                       <a:srgbClr val="000000"/>
                     </a:solidFill>
@@ -10706,7 +10726,7 @@
               </a:ln>
               <a:extLst>
                 <a:ext uri="{91240B29-F687-4f45-9708-019B960494DF}">
-                  <a14:hiddenLine xmlns:a14="http://schemas.microsoft.com/office/drawing/2010/main" xmlns="" w="9525">
+                  <a14:hiddenLine xmlns="" xmlns:a14="http://schemas.microsoft.com/office/drawing/2010/main" w="9525">
                     <a:solidFill>
                       <a:srgbClr val="000000"/>
                     </a:solidFill>
@@ -10796,7 +10816,7 @@
               </a:ln>
               <a:extLst>
                 <a:ext uri="{91240B29-F687-4f45-9708-019B960494DF}">
-                  <a14:hiddenLine xmlns:a14="http://schemas.microsoft.com/office/drawing/2010/main" xmlns="" w="9525">
+                  <a14:hiddenLine xmlns="" xmlns:a14="http://schemas.microsoft.com/office/drawing/2010/main" w="9525">
                     <a:solidFill>
                       <a:srgbClr val="000000"/>
                     </a:solidFill>
@@ -10861,7 +10881,7 @@
               </a:ln>
               <a:extLst>
                 <a:ext uri="{91240B29-F687-4f45-9708-019B960494DF}">
-                  <a14:hiddenLine xmlns:a14="http://schemas.microsoft.com/office/drawing/2010/main" xmlns="" w="9525">
+                  <a14:hiddenLine xmlns="" xmlns:a14="http://schemas.microsoft.com/office/drawing/2010/main" w="9525">
                     <a:solidFill>
                       <a:srgbClr val="000000"/>
                     </a:solidFill>
@@ -10981,7 +11001,7 @@
               </a:ln>
               <a:extLst>
                 <a:ext uri="{91240B29-F687-4f45-9708-019B960494DF}">
-                  <a14:hiddenLine xmlns:a14="http://schemas.microsoft.com/office/drawing/2010/main" xmlns="" w="9525">
+                  <a14:hiddenLine xmlns="" xmlns:a14="http://schemas.microsoft.com/office/drawing/2010/main" w="9525">
                     <a:solidFill>
                       <a:srgbClr val="000000"/>
                     </a:solidFill>
@@ -11079,7 +11099,7 @@
               </a:ln>
               <a:extLst>
                 <a:ext uri="{91240B29-F687-4f45-9708-019B960494DF}">
-                  <a14:hiddenLine xmlns:a14="http://schemas.microsoft.com/office/drawing/2010/main" xmlns="" w="9525">
+                  <a14:hiddenLine xmlns="" xmlns:a14="http://schemas.microsoft.com/office/drawing/2010/main" w="9525">
                     <a:solidFill>
                       <a:srgbClr val="000000"/>
                     </a:solidFill>
@@ -11194,7 +11214,7 @@
               </a:ln>
               <a:extLst>
                 <a:ext uri="{91240B29-F687-4f45-9708-019B960494DF}">
-                  <a14:hiddenLine xmlns:a14="http://schemas.microsoft.com/office/drawing/2010/main" xmlns="" w="9525">
+                  <a14:hiddenLine xmlns="" xmlns:a14="http://schemas.microsoft.com/office/drawing/2010/main" w="9525">
                     <a:solidFill>
                       <a:srgbClr val="000000"/>
                     </a:solidFill>
@@ -11284,7 +11304,7 @@
               </a:ln>
               <a:extLst>
                 <a:ext uri="{91240B29-F687-4f45-9708-019B960494DF}">
-                  <a14:hiddenLine xmlns:a14="http://schemas.microsoft.com/office/drawing/2010/main" xmlns="" w="9525">
+                  <a14:hiddenLine xmlns="" xmlns:a14="http://schemas.microsoft.com/office/drawing/2010/main" w="9525">
                     <a:solidFill>
                       <a:srgbClr val="000000"/>
                     </a:solidFill>
@@ -11349,7 +11369,7 @@
               </a:ln>
               <a:extLst>
                 <a:ext uri="{91240B29-F687-4f45-9708-019B960494DF}">
-                  <a14:hiddenLine xmlns:a14="http://schemas.microsoft.com/office/drawing/2010/main" xmlns="" w="9525">
+                  <a14:hiddenLine xmlns="" xmlns:a14="http://schemas.microsoft.com/office/drawing/2010/main" w="9525">
                     <a:solidFill>
                       <a:srgbClr val="000000"/>
                     </a:solidFill>
@@ -11439,7 +11459,7 @@
               </a:ln>
               <a:extLst>
                 <a:ext uri="{91240B29-F687-4f45-9708-019B960494DF}">
-                  <a14:hiddenLine xmlns:a14="http://schemas.microsoft.com/office/drawing/2010/main" xmlns="" w="9525">
+                  <a14:hiddenLine xmlns="" xmlns:a14="http://schemas.microsoft.com/office/drawing/2010/main" w="9525">
                     <a:solidFill>
                       <a:srgbClr val="000000"/>
                     </a:solidFill>
@@ -11507,7 +11527,7 @@
               </a:ln>
               <a:extLst>
                 <a:ext uri="{91240B29-F687-4f45-9708-019B960494DF}">
-                  <a14:hiddenLine xmlns:a14="http://schemas.microsoft.com/office/drawing/2010/main" xmlns="" w="9525">
+                  <a14:hiddenLine xmlns="" xmlns:a14="http://schemas.microsoft.com/office/drawing/2010/main" w="9525">
                     <a:solidFill>
                       <a:srgbClr val="000000"/>
                     </a:solidFill>
@@ -11597,7 +11617,7 @@
               </a:ln>
               <a:extLst>
                 <a:ext uri="{91240B29-F687-4f45-9708-019B960494DF}">
-                  <a14:hiddenLine xmlns:a14="http://schemas.microsoft.com/office/drawing/2010/main" xmlns="" w="9525">
+                  <a14:hiddenLine xmlns="" xmlns:a14="http://schemas.microsoft.com/office/drawing/2010/main" w="9525">
                     <a:solidFill>
                       <a:srgbClr val="000000"/>
                     </a:solidFill>
@@ -11665,7 +11685,7 @@
               </a:ln>
               <a:extLst>
                 <a:ext uri="{91240B29-F687-4f45-9708-019B960494DF}">
-                  <a14:hiddenLine xmlns:a14="http://schemas.microsoft.com/office/drawing/2010/main" xmlns="" w="9525">
+                  <a14:hiddenLine xmlns="" xmlns:a14="http://schemas.microsoft.com/office/drawing/2010/main" w="9525">
                     <a:solidFill>
                       <a:srgbClr val="000000"/>
                     </a:solidFill>
@@ -11755,7 +11775,7 @@
               </a:ln>
               <a:extLst>
                 <a:ext uri="{91240B29-F687-4f45-9708-019B960494DF}">
-                  <a14:hiddenLine xmlns:a14="http://schemas.microsoft.com/office/drawing/2010/main" xmlns="" w="9525">
+                  <a14:hiddenLine xmlns="" xmlns:a14="http://schemas.microsoft.com/office/drawing/2010/main" w="9525">
                     <a:solidFill>
                       <a:srgbClr val="000000"/>
                     </a:solidFill>
@@ -11789,7 +11809,7 @@
               </a:ln>
               <a:extLst>
                 <a:ext uri="{91240B29-F687-4f45-9708-019B960494DF}">
-                  <a14:hiddenLine xmlns:a14="http://schemas.microsoft.com/office/drawing/2010/main" xmlns="" w="9525">
+                  <a14:hiddenLine xmlns="" xmlns:a14="http://schemas.microsoft.com/office/drawing/2010/main" w="9525">
                     <a:solidFill>
                       <a:srgbClr val="000000"/>
                     </a:solidFill>
@@ -11930,7 +11950,7 @@
             <a:fld id="{48A87A34-81AB-432B-8DAE-1953F412C126}" type="datetimeFigureOut">
               <a:rPr lang="en-US" dirty="0"/>
               <a:pPr/>
-              <a:t>8/10/2015</a:t>
+              <a:t>9/15/2015</a:t>
             </a:fld>
             <a:endParaRPr lang="en-US" dirty="0"/>
           </a:p>
@@ -12434,10 +12454,6 @@
           <a:bodyPr/>
           <a:lstStyle/>
           <a:p>
-            <a:r>
-              <a:rPr lang="ru-RU" dirty="0" smtClean="0"/>
-              <a:t>Как это было</a:t>
-            </a:r>
             <a:endParaRPr lang="en-US" dirty="0"/>
           </a:p>
         </p:txBody>
@@ -12446,6 +12462,1727 @@
     <p:extLst>
       <p:ext uri="{BB962C8B-B14F-4D97-AF65-F5344CB8AC3E}">
         <p14:creationId xmlns:p14="http://schemas.microsoft.com/office/powerpoint/2010/main" val="2492777442"/>
+      </p:ext>
+    </p:extLst>
+  </p:cSld>
+  <p:clrMapOvr>
+    <a:masterClrMapping/>
+  </p:clrMapOvr>
+  <p:timing>
+    <p:tnLst>
+      <p:par>
+        <p:cTn id="1" dur="indefinite" restart="never" nodeType="tmRoot"/>
+      </p:par>
+    </p:tnLst>
+  </p:timing>
+</p:sld>
+</file>
+
+<file path=ppt/slides/slide10.xml><?xml version="1.0" encoding="utf-8"?>
+<p:sld xmlns:a="http://schemas.openxmlformats.org/drawingml/2006/main" xmlns:r="http://schemas.openxmlformats.org/officeDocument/2006/relationships" xmlns:p="http://schemas.openxmlformats.org/presentationml/2006/main">
+  <p:cSld>
+    <p:bg>
+      <p:bgPr>
+        <a:blipFill dpi="0" rotWithShape="1">
+          <a:blip r:embed="rId2">
+            <a:alphaModFix amt="0"/>
+            <a:duotone>
+              <a:schemeClr val="bg2">
+                <a:shade val="88000"/>
+                <a:hueMod val="106000"/>
+                <a:satMod val="140000"/>
+                <a:lumMod val="54000"/>
+              </a:schemeClr>
+              <a:schemeClr val="bg2">
+                <a:tint val="98000"/>
+                <a:hueMod val="90000"/>
+                <a:satMod val="150000"/>
+                <a:lumMod val="160000"/>
+              </a:schemeClr>
+            </a:duotone>
+            <a:lum/>
+          </a:blip>
+          <a:srcRect/>
+          <a:stretch>
+            <a:fillRect/>
+          </a:stretch>
+        </a:blipFill>
+        <a:effectLst/>
+      </p:bgPr>
+    </p:bg>
+    <p:spTree>
+      <p:nvGrpSpPr>
+        <p:cNvPr id="1" name=""/>
+        <p:cNvGrpSpPr/>
+        <p:nvPr/>
+      </p:nvGrpSpPr>
+      <p:grpSpPr>
+        <a:xfrm>
+          <a:off x="0" y="0"/>
+          <a:ext cx="0" cy="0"/>
+          <a:chOff x="0" y="0"/>
+          <a:chExt cx="0" cy="0"/>
+        </a:xfrm>
+      </p:grpSpPr>
+      <p:sp>
+        <p:nvSpPr>
+          <p:cNvPr id="15" name="TextBox 14"/>
+          <p:cNvSpPr txBox="1"/>
+          <p:nvPr/>
+        </p:nvSpPr>
+        <p:spPr>
+          <a:xfrm>
+            <a:off x="1354553" y="316194"/>
+            <a:ext cx="7174150" cy="523220"/>
+          </a:xfrm>
+          <a:prstGeom prst="rect">
+            <a:avLst/>
+          </a:prstGeom>
+          <a:noFill/>
+        </p:spPr>
+        <p:txBody>
+          <a:bodyPr wrap="square" rtlCol="0">
+            <a:spAutoFit/>
+          </a:bodyPr>
+          <a:lstStyle/>
+          <a:p>
+            <a:r>
+              <a:rPr lang="ru-RU" sz="2800" dirty="0" smtClean="0">
+                <a:solidFill>
+                  <a:schemeClr val="bg1">
+                    <a:lumMod val="85000"/>
+                    <a:lumOff val="15000"/>
+                  </a:schemeClr>
+                </a:solidFill>
+              </a:rPr>
+              <a:t>Клиентская часть</a:t>
+            </a:r>
+            <a:endParaRPr lang="en-US" sz="2800" dirty="0">
+              <a:solidFill>
+                <a:schemeClr val="bg1">
+                  <a:lumMod val="85000"/>
+                  <a:lumOff val="15000"/>
+                </a:schemeClr>
+              </a:solidFill>
+            </a:endParaRPr>
+          </a:p>
+        </p:txBody>
+      </p:sp>
+      <p:pic>
+        <p:nvPicPr>
+          <p:cNvPr id="3" name="Picture 2"/>
+          <p:cNvPicPr>
+            <a:picLocks noChangeAspect="1"/>
+          </p:cNvPicPr>
+          <p:nvPr/>
+        </p:nvPicPr>
+        <p:blipFill>
+          <a:blip r:embed="rId3"/>
+          <a:stretch>
+            <a:fillRect/>
+          </a:stretch>
+        </p:blipFill>
+        <p:spPr>
+          <a:xfrm>
+            <a:off x="1438007" y="1266647"/>
+            <a:ext cx="7432527" cy="4882150"/>
+          </a:xfrm>
+          <a:prstGeom prst="rect">
+            <a:avLst/>
+          </a:prstGeom>
+        </p:spPr>
+      </p:pic>
+    </p:spTree>
+    <p:extLst>
+      <p:ext uri="{BB962C8B-B14F-4D97-AF65-F5344CB8AC3E}">
+        <p14:creationId xmlns:p14="http://schemas.microsoft.com/office/powerpoint/2010/main" val="3772473660"/>
+      </p:ext>
+    </p:extLst>
+  </p:cSld>
+  <p:clrMapOvr>
+    <a:masterClrMapping/>
+  </p:clrMapOvr>
+  <p:timing>
+    <p:tnLst>
+      <p:par>
+        <p:cTn id="1" dur="indefinite" restart="never" nodeType="tmRoot"/>
+      </p:par>
+    </p:tnLst>
+  </p:timing>
+</p:sld>
+</file>
+
+<file path=ppt/slides/slide11.xml><?xml version="1.0" encoding="utf-8"?>
+<p:sld xmlns:a="http://schemas.openxmlformats.org/drawingml/2006/main" xmlns:r="http://schemas.openxmlformats.org/officeDocument/2006/relationships" xmlns:p="http://schemas.openxmlformats.org/presentationml/2006/main">
+  <p:cSld>
+    <p:bg>
+      <p:bgPr>
+        <a:blipFill dpi="0" rotWithShape="1">
+          <a:blip r:embed="rId2">
+            <a:alphaModFix amt="0"/>
+            <a:duotone>
+              <a:schemeClr val="bg2">
+                <a:shade val="88000"/>
+                <a:hueMod val="106000"/>
+                <a:satMod val="140000"/>
+                <a:lumMod val="54000"/>
+              </a:schemeClr>
+              <a:schemeClr val="bg2">
+                <a:tint val="98000"/>
+                <a:hueMod val="90000"/>
+                <a:satMod val="150000"/>
+                <a:lumMod val="160000"/>
+              </a:schemeClr>
+            </a:duotone>
+            <a:lum/>
+          </a:blip>
+          <a:srcRect/>
+          <a:stretch>
+            <a:fillRect/>
+          </a:stretch>
+        </a:blipFill>
+        <a:effectLst/>
+      </p:bgPr>
+    </p:bg>
+    <p:spTree>
+      <p:nvGrpSpPr>
+        <p:cNvPr id="1" name=""/>
+        <p:cNvGrpSpPr/>
+        <p:nvPr/>
+      </p:nvGrpSpPr>
+      <p:grpSpPr>
+        <a:xfrm>
+          <a:off x="0" y="0"/>
+          <a:ext cx="0" cy="0"/>
+          <a:chOff x="0" y="0"/>
+          <a:chExt cx="0" cy="0"/>
+        </a:xfrm>
+      </p:grpSpPr>
+      <p:pic>
+        <p:nvPicPr>
+          <p:cNvPr id="6" name="Picture 5"/>
+          <p:cNvPicPr>
+            <a:picLocks noChangeAspect="1"/>
+          </p:cNvPicPr>
+          <p:nvPr/>
+        </p:nvPicPr>
+        <p:blipFill>
+          <a:blip r:embed="rId3"/>
+          <a:stretch>
+            <a:fillRect/>
+          </a:stretch>
+        </p:blipFill>
+        <p:spPr>
+          <a:xfrm>
+            <a:off x="1918531" y="1182168"/>
+            <a:ext cx="7620000" cy="4267200"/>
+          </a:xfrm>
+          <a:prstGeom prst="rect">
+            <a:avLst/>
+          </a:prstGeom>
+        </p:spPr>
+      </p:pic>
+      <p:sp>
+        <p:nvSpPr>
+          <p:cNvPr id="15" name="TextBox 14"/>
+          <p:cNvSpPr txBox="1"/>
+          <p:nvPr/>
+        </p:nvSpPr>
+        <p:spPr>
+          <a:xfrm>
+            <a:off x="1354553" y="316194"/>
+            <a:ext cx="7174150" cy="523220"/>
+          </a:xfrm>
+          <a:prstGeom prst="rect">
+            <a:avLst/>
+          </a:prstGeom>
+          <a:noFill/>
+        </p:spPr>
+        <p:txBody>
+          <a:bodyPr wrap="square" rtlCol="0">
+            <a:spAutoFit/>
+          </a:bodyPr>
+          <a:lstStyle/>
+          <a:p>
+            <a:r>
+              <a:rPr lang="ru-RU" sz="2800" dirty="0" smtClean="0">
+                <a:solidFill>
+                  <a:schemeClr val="bg1">
+                    <a:lumMod val="85000"/>
+                    <a:lumOff val="15000"/>
+                  </a:schemeClr>
+                </a:solidFill>
+              </a:rPr>
+              <a:t>Интерфейс пользователя</a:t>
+            </a:r>
+            <a:endParaRPr lang="en-US" sz="2800" dirty="0">
+              <a:solidFill>
+                <a:schemeClr val="bg1">
+                  <a:lumMod val="85000"/>
+                  <a:lumOff val="15000"/>
+                </a:schemeClr>
+              </a:solidFill>
+            </a:endParaRPr>
+          </a:p>
+        </p:txBody>
+      </p:sp>
+      <p:pic>
+        <p:nvPicPr>
+          <p:cNvPr id="2" name="Picture 1"/>
+          <p:cNvPicPr>
+            <a:picLocks noChangeAspect="1"/>
+          </p:cNvPicPr>
+          <p:nvPr/>
+        </p:nvPicPr>
+        <p:blipFill>
+          <a:blip r:embed="rId4"/>
+          <a:stretch>
+            <a:fillRect/>
+          </a:stretch>
+        </p:blipFill>
+        <p:spPr>
+          <a:xfrm>
+            <a:off x="4261191" y="2555726"/>
+            <a:ext cx="2934680" cy="1956453"/>
+          </a:xfrm>
+          <a:prstGeom prst="rect">
+            <a:avLst/>
+          </a:prstGeom>
+        </p:spPr>
+      </p:pic>
+    </p:spTree>
+    <p:extLst>
+      <p:ext uri="{BB962C8B-B14F-4D97-AF65-F5344CB8AC3E}">
+        <p14:creationId xmlns:p14="http://schemas.microsoft.com/office/powerpoint/2010/main" val="2185102001"/>
+      </p:ext>
+    </p:extLst>
+  </p:cSld>
+  <p:clrMapOvr>
+    <a:masterClrMapping/>
+  </p:clrMapOvr>
+  <p:timing>
+    <p:tnLst>
+      <p:par>
+        <p:cTn id="1" dur="indefinite" restart="never" nodeType="tmRoot"/>
+      </p:par>
+    </p:tnLst>
+  </p:timing>
+</p:sld>
+</file>
+
+<file path=ppt/slides/slide12.xml><?xml version="1.0" encoding="utf-8"?>
+<p:sld xmlns:a="http://schemas.openxmlformats.org/drawingml/2006/main" xmlns:r="http://schemas.openxmlformats.org/officeDocument/2006/relationships" xmlns:p="http://schemas.openxmlformats.org/presentationml/2006/main">
+  <p:cSld>
+    <p:bg>
+      <p:bgPr>
+        <a:blipFill dpi="0" rotWithShape="1">
+          <a:blip r:embed="rId2">
+            <a:alphaModFix amt="0"/>
+            <a:duotone>
+              <a:schemeClr val="bg2">
+                <a:shade val="88000"/>
+                <a:hueMod val="106000"/>
+                <a:satMod val="140000"/>
+                <a:lumMod val="54000"/>
+              </a:schemeClr>
+              <a:schemeClr val="bg2">
+                <a:tint val="98000"/>
+                <a:hueMod val="90000"/>
+                <a:satMod val="150000"/>
+                <a:lumMod val="160000"/>
+              </a:schemeClr>
+            </a:duotone>
+            <a:lum/>
+          </a:blip>
+          <a:srcRect/>
+          <a:stretch>
+            <a:fillRect/>
+          </a:stretch>
+        </a:blipFill>
+        <a:effectLst/>
+      </p:bgPr>
+    </p:bg>
+    <p:spTree>
+      <p:nvGrpSpPr>
+        <p:cNvPr id="1" name=""/>
+        <p:cNvGrpSpPr/>
+        <p:nvPr/>
+      </p:nvGrpSpPr>
+      <p:grpSpPr>
+        <a:xfrm>
+          <a:off x="0" y="0"/>
+          <a:ext cx="0" cy="0"/>
+          <a:chOff x="0" y="0"/>
+          <a:chExt cx="0" cy="0"/>
+        </a:xfrm>
+      </p:grpSpPr>
+      <p:sp>
+        <p:nvSpPr>
+          <p:cNvPr id="15" name="TextBox 14"/>
+          <p:cNvSpPr txBox="1"/>
+          <p:nvPr/>
+        </p:nvSpPr>
+        <p:spPr>
+          <a:xfrm>
+            <a:off x="1354553" y="316194"/>
+            <a:ext cx="7174150" cy="523220"/>
+          </a:xfrm>
+          <a:prstGeom prst="rect">
+            <a:avLst/>
+          </a:prstGeom>
+          <a:noFill/>
+        </p:spPr>
+        <p:txBody>
+          <a:bodyPr wrap="square" rtlCol="0">
+            <a:spAutoFit/>
+          </a:bodyPr>
+          <a:lstStyle/>
+          <a:p>
+            <a:r>
+              <a:rPr lang="ru-RU" sz="2800" dirty="0" smtClean="0">
+                <a:solidFill>
+                  <a:schemeClr val="bg1">
+                    <a:lumMod val="85000"/>
+                    <a:lumOff val="15000"/>
+                  </a:schemeClr>
+                </a:solidFill>
+              </a:rPr>
+              <a:t>Редактирование категорий</a:t>
+            </a:r>
+            <a:endParaRPr lang="en-US" sz="2800" dirty="0">
+              <a:solidFill>
+                <a:schemeClr val="bg1">
+                  <a:lumMod val="85000"/>
+                  <a:lumOff val="15000"/>
+                </a:schemeClr>
+              </a:solidFill>
+            </a:endParaRPr>
+          </a:p>
+        </p:txBody>
+      </p:sp>
+      <p:pic>
+        <p:nvPicPr>
+          <p:cNvPr id="5" name="Picture 4"/>
+          <p:cNvPicPr>
+            <a:picLocks noChangeAspect="1"/>
+          </p:cNvPicPr>
+          <p:nvPr/>
+        </p:nvPicPr>
+        <p:blipFill>
+          <a:blip r:embed="rId3"/>
+          <a:stretch>
+            <a:fillRect/>
+          </a:stretch>
+        </p:blipFill>
+        <p:spPr>
+          <a:xfrm>
+            <a:off x="1739069" y="1247908"/>
+            <a:ext cx="7620000" cy="4276725"/>
+          </a:xfrm>
+          <a:prstGeom prst="rect">
+            <a:avLst/>
+          </a:prstGeom>
+        </p:spPr>
+      </p:pic>
+      <p:pic>
+        <p:nvPicPr>
+          <p:cNvPr id="7" name="Picture 6"/>
+          <p:cNvPicPr>
+            <a:picLocks noChangeAspect="1"/>
+          </p:cNvPicPr>
+          <p:nvPr/>
+        </p:nvPicPr>
+        <p:blipFill>
+          <a:blip r:embed="rId4"/>
+          <a:stretch>
+            <a:fillRect/>
+          </a:stretch>
+        </p:blipFill>
+        <p:spPr>
+          <a:xfrm>
+            <a:off x="6967348" y="3762086"/>
+            <a:ext cx="4048181" cy="2698787"/>
+          </a:xfrm>
+          <a:prstGeom prst="rect">
+            <a:avLst/>
+          </a:prstGeom>
+        </p:spPr>
+      </p:pic>
+    </p:spTree>
+    <p:extLst>
+      <p:ext uri="{BB962C8B-B14F-4D97-AF65-F5344CB8AC3E}">
+        <p14:creationId xmlns:p14="http://schemas.microsoft.com/office/powerpoint/2010/main" val="3823829538"/>
+      </p:ext>
+    </p:extLst>
+  </p:cSld>
+  <p:clrMapOvr>
+    <a:masterClrMapping/>
+  </p:clrMapOvr>
+  <p:timing>
+    <p:tnLst>
+      <p:par>
+        <p:cTn id="1" dur="indefinite" restart="never" nodeType="tmRoot"/>
+      </p:par>
+    </p:tnLst>
+  </p:timing>
+</p:sld>
+</file>
+
+<file path=ppt/slides/slide13.xml><?xml version="1.0" encoding="utf-8"?>
+<p:sld xmlns:a="http://schemas.openxmlformats.org/drawingml/2006/main" xmlns:r="http://schemas.openxmlformats.org/officeDocument/2006/relationships" xmlns:p="http://schemas.openxmlformats.org/presentationml/2006/main">
+  <p:cSld>
+    <p:bg>
+      <p:bgPr>
+        <a:blipFill dpi="0" rotWithShape="1">
+          <a:blip r:embed="rId2">
+            <a:alphaModFix amt="0"/>
+            <a:duotone>
+              <a:schemeClr val="bg2">
+                <a:shade val="88000"/>
+                <a:hueMod val="106000"/>
+                <a:satMod val="140000"/>
+                <a:lumMod val="54000"/>
+              </a:schemeClr>
+              <a:schemeClr val="bg2">
+                <a:tint val="98000"/>
+                <a:hueMod val="90000"/>
+                <a:satMod val="150000"/>
+                <a:lumMod val="160000"/>
+              </a:schemeClr>
+            </a:duotone>
+            <a:lum/>
+          </a:blip>
+          <a:srcRect/>
+          <a:stretch>
+            <a:fillRect/>
+          </a:stretch>
+        </a:blipFill>
+        <a:effectLst/>
+      </p:bgPr>
+    </p:bg>
+    <p:spTree>
+      <p:nvGrpSpPr>
+        <p:cNvPr id="1" name=""/>
+        <p:cNvGrpSpPr/>
+        <p:nvPr/>
+      </p:nvGrpSpPr>
+      <p:grpSpPr>
+        <a:xfrm>
+          <a:off x="0" y="0"/>
+          <a:ext cx="0" cy="0"/>
+          <a:chOff x="0" y="0"/>
+          <a:chExt cx="0" cy="0"/>
+        </a:xfrm>
+      </p:grpSpPr>
+      <p:sp>
+        <p:nvSpPr>
+          <p:cNvPr id="15" name="TextBox 14"/>
+          <p:cNvSpPr txBox="1"/>
+          <p:nvPr/>
+        </p:nvSpPr>
+        <p:spPr>
+          <a:xfrm>
+            <a:off x="1354553" y="316194"/>
+            <a:ext cx="7174150" cy="523220"/>
+          </a:xfrm>
+          <a:prstGeom prst="rect">
+            <a:avLst/>
+          </a:prstGeom>
+          <a:noFill/>
+        </p:spPr>
+        <p:txBody>
+          <a:bodyPr wrap="square" rtlCol="0">
+            <a:spAutoFit/>
+          </a:bodyPr>
+          <a:lstStyle/>
+          <a:p>
+            <a:r>
+              <a:rPr lang="ru-RU" sz="2800" dirty="0" smtClean="0">
+                <a:solidFill>
+                  <a:schemeClr val="bg1">
+                    <a:lumMod val="85000"/>
+                    <a:lumOff val="15000"/>
+                  </a:schemeClr>
+                </a:solidFill>
+              </a:rPr>
+              <a:t>Редактирование товаров</a:t>
+            </a:r>
+            <a:endParaRPr lang="en-US" sz="2800" dirty="0">
+              <a:solidFill>
+                <a:schemeClr val="bg1">
+                  <a:lumMod val="85000"/>
+                  <a:lumOff val="15000"/>
+                </a:schemeClr>
+              </a:solidFill>
+            </a:endParaRPr>
+          </a:p>
+        </p:txBody>
+      </p:sp>
+      <p:pic>
+        <p:nvPicPr>
+          <p:cNvPr id="2" name="Picture 1"/>
+          <p:cNvPicPr>
+            <a:picLocks noChangeAspect="1"/>
+          </p:cNvPicPr>
+          <p:nvPr/>
+        </p:nvPicPr>
+        <p:blipFill>
+          <a:blip r:embed="rId3"/>
+          <a:stretch>
+            <a:fillRect/>
+          </a:stretch>
+        </p:blipFill>
+        <p:spPr>
+          <a:xfrm>
+            <a:off x="2286000" y="1295400"/>
+            <a:ext cx="7620000" cy="4267200"/>
+          </a:xfrm>
+          <a:prstGeom prst="rect">
+            <a:avLst/>
+          </a:prstGeom>
+        </p:spPr>
+      </p:pic>
+    </p:spTree>
+    <p:extLst>
+      <p:ext uri="{BB962C8B-B14F-4D97-AF65-F5344CB8AC3E}">
+        <p14:creationId xmlns:p14="http://schemas.microsoft.com/office/powerpoint/2010/main" val="1923039624"/>
+      </p:ext>
+    </p:extLst>
+  </p:cSld>
+  <p:clrMapOvr>
+    <a:masterClrMapping/>
+  </p:clrMapOvr>
+  <p:timing>
+    <p:tnLst>
+      <p:par>
+        <p:cTn id="1" dur="indefinite" restart="never" nodeType="tmRoot"/>
+      </p:par>
+    </p:tnLst>
+  </p:timing>
+</p:sld>
+</file>
+
+<file path=ppt/slides/slide14.xml><?xml version="1.0" encoding="utf-8"?>
+<p:sld xmlns:a="http://schemas.openxmlformats.org/drawingml/2006/main" xmlns:r="http://schemas.openxmlformats.org/officeDocument/2006/relationships" xmlns:p="http://schemas.openxmlformats.org/presentationml/2006/main">
+  <p:cSld>
+    <p:bg>
+      <p:bgPr>
+        <a:blipFill dpi="0" rotWithShape="1">
+          <a:blip r:embed="rId2">
+            <a:alphaModFix amt="0"/>
+            <a:duotone>
+              <a:schemeClr val="bg2">
+                <a:shade val="88000"/>
+                <a:hueMod val="106000"/>
+                <a:satMod val="140000"/>
+                <a:lumMod val="54000"/>
+              </a:schemeClr>
+              <a:schemeClr val="bg2">
+                <a:tint val="98000"/>
+                <a:hueMod val="90000"/>
+                <a:satMod val="150000"/>
+                <a:lumMod val="160000"/>
+              </a:schemeClr>
+            </a:duotone>
+            <a:lum/>
+          </a:blip>
+          <a:srcRect/>
+          <a:stretch>
+            <a:fillRect/>
+          </a:stretch>
+        </a:blipFill>
+        <a:effectLst/>
+      </p:bgPr>
+    </p:bg>
+    <p:spTree>
+      <p:nvGrpSpPr>
+        <p:cNvPr id="1" name=""/>
+        <p:cNvGrpSpPr/>
+        <p:nvPr/>
+      </p:nvGrpSpPr>
+      <p:grpSpPr>
+        <a:xfrm>
+          <a:off x="0" y="0"/>
+          <a:ext cx="0" cy="0"/>
+          <a:chOff x="0" y="0"/>
+          <a:chExt cx="0" cy="0"/>
+        </a:xfrm>
+      </p:grpSpPr>
+      <p:sp>
+        <p:nvSpPr>
+          <p:cNvPr id="15" name="TextBox 14"/>
+          <p:cNvSpPr txBox="1"/>
+          <p:nvPr/>
+        </p:nvSpPr>
+        <p:spPr>
+          <a:xfrm>
+            <a:off x="1679293" y="350377"/>
+            <a:ext cx="7174150" cy="523220"/>
+          </a:xfrm>
+          <a:prstGeom prst="rect">
+            <a:avLst/>
+          </a:prstGeom>
+          <a:noFill/>
+        </p:spPr>
+        <p:txBody>
+          <a:bodyPr wrap="square" rtlCol="0">
+            <a:spAutoFit/>
+          </a:bodyPr>
+          <a:lstStyle/>
+          <a:p>
+            <a:r>
+              <a:rPr lang="ru-RU" sz="2800" dirty="0" smtClean="0">
+                <a:solidFill>
+                  <a:schemeClr val="bg1">
+                    <a:lumMod val="85000"/>
+                    <a:lumOff val="15000"/>
+                  </a:schemeClr>
+                </a:solidFill>
+              </a:rPr>
+              <a:t>Добавление и списание товаров</a:t>
+            </a:r>
+            <a:endParaRPr lang="en-US" sz="2800" dirty="0">
+              <a:solidFill>
+                <a:schemeClr val="bg1">
+                  <a:lumMod val="85000"/>
+                  <a:lumOff val="15000"/>
+                </a:schemeClr>
+              </a:solidFill>
+            </a:endParaRPr>
+          </a:p>
+        </p:txBody>
+      </p:sp>
+      <p:pic>
+        <p:nvPicPr>
+          <p:cNvPr id="3" name="Picture 2"/>
+          <p:cNvPicPr>
+            <a:picLocks noChangeAspect="1"/>
+          </p:cNvPicPr>
+          <p:nvPr/>
+        </p:nvPicPr>
+        <p:blipFill>
+          <a:blip r:embed="rId3"/>
+          <a:stretch>
+            <a:fillRect/>
+          </a:stretch>
+        </p:blipFill>
+        <p:spPr>
+          <a:xfrm>
+            <a:off x="3536490" y="873597"/>
+            <a:ext cx="7648575" cy="4305300"/>
+          </a:xfrm>
+          <a:prstGeom prst="rect">
+            <a:avLst/>
+          </a:prstGeom>
+        </p:spPr>
+      </p:pic>
+      <p:pic>
+        <p:nvPicPr>
+          <p:cNvPr id="4" name="Picture 3"/>
+          <p:cNvPicPr>
+            <a:picLocks noChangeAspect="1"/>
+          </p:cNvPicPr>
+          <p:nvPr/>
+        </p:nvPicPr>
+        <p:blipFill>
+          <a:blip r:embed="rId4"/>
+          <a:stretch>
+            <a:fillRect/>
+          </a:stretch>
+        </p:blipFill>
+        <p:spPr>
+          <a:xfrm>
+            <a:off x="1679293" y="3208323"/>
+            <a:ext cx="5905500" cy="3295650"/>
+          </a:xfrm>
+          <a:prstGeom prst="rect">
+            <a:avLst/>
+          </a:prstGeom>
+        </p:spPr>
+      </p:pic>
+    </p:spTree>
+    <p:extLst>
+      <p:ext uri="{BB962C8B-B14F-4D97-AF65-F5344CB8AC3E}">
+        <p14:creationId xmlns:p14="http://schemas.microsoft.com/office/powerpoint/2010/main" val="4069530237"/>
+      </p:ext>
+    </p:extLst>
+  </p:cSld>
+  <p:clrMapOvr>
+    <a:masterClrMapping/>
+  </p:clrMapOvr>
+  <p:timing>
+    <p:tnLst>
+      <p:par>
+        <p:cTn id="1" dur="indefinite" restart="never" nodeType="tmRoot"/>
+      </p:par>
+    </p:tnLst>
+  </p:timing>
+</p:sld>
+</file>
+
+<file path=ppt/slides/slide15.xml><?xml version="1.0" encoding="utf-8"?>
+<p:sld xmlns:a="http://schemas.openxmlformats.org/drawingml/2006/main" xmlns:r="http://schemas.openxmlformats.org/officeDocument/2006/relationships" xmlns:p="http://schemas.openxmlformats.org/presentationml/2006/main">
+  <p:cSld>
+    <p:bg>
+      <p:bgPr>
+        <a:blipFill dpi="0" rotWithShape="1">
+          <a:blip r:embed="rId2">
+            <a:alphaModFix amt="0"/>
+            <a:duotone>
+              <a:schemeClr val="bg2">
+                <a:shade val="88000"/>
+                <a:hueMod val="106000"/>
+                <a:satMod val="140000"/>
+                <a:lumMod val="54000"/>
+              </a:schemeClr>
+              <a:schemeClr val="bg2">
+                <a:tint val="98000"/>
+                <a:hueMod val="90000"/>
+                <a:satMod val="150000"/>
+                <a:lumMod val="160000"/>
+              </a:schemeClr>
+            </a:duotone>
+            <a:lum/>
+          </a:blip>
+          <a:srcRect/>
+          <a:stretch>
+            <a:fillRect/>
+          </a:stretch>
+        </a:blipFill>
+        <a:effectLst/>
+      </p:bgPr>
+    </p:bg>
+    <p:spTree>
+      <p:nvGrpSpPr>
+        <p:cNvPr id="1" name=""/>
+        <p:cNvGrpSpPr/>
+        <p:nvPr/>
+      </p:nvGrpSpPr>
+      <p:grpSpPr>
+        <a:xfrm>
+          <a:off x="0" y="0"/>
+          <a:ext cx="0" cy="0"/>
+          <a:chOff x="0" y="0"/>
+          <a:chExt cx="0" cy="0"/>
+        </a:xfrm>
+      </p:grpSpPr>
+      <p:sp>
+        <p:nvSpPr>
+          <p:cNvPr id="15" name="TextBox 14"/>
+          <p:cNvSpPr txBox="1"/>
+          <p:nvPr/>
+        </p:nvSpPr>
+        <p:spPr>
+          <a:xfrm>
+            <a:off x="1679293" y="350377"/>
+            <a:ext cx="7174150" cy="523220"/>
+          </a:xfrm>
+          <a:prstGeom prst="rect">
+            <a:avLst/>
+          </a:prstGeom>
+          <a:noFill/>
+        </p:spPr>
+        <p:txBody>
+          <a:bodyPr wrap="square" rtlCol="0">
+            <a:spAutoFit/>
+          </a:bodyPr>
+          <a:lstStyle/>
+          <a:p>
+            <a:r>
+              <a:rPr lang="ru-RU" sz="2800" dirty="0" smtClean="0">
+                <a:solidFill>
+                  <a:schemeClr val="bg1">
+                    <a:lumMod val="85000"/>
+                    <a:lumOff val="15000"/>
+                  </a:schemeClr>
+                </a:solidFill>
+              </a:rPr>
+              <a:t>Добавление и списание товаров</a:t>
+            </a:r>
+            <a:endParaRPr lang="en-US" sz="2800" dirty="0">
+              <a:solidFill>
+                <a:schemeClr val="bg1">
+                  <a:lumMod val="85000"/>
+                  <a:lumOff val="15000"/>
+                </a:schemeClr>
+              </a:solidFill>
+            </a:endParaRPr>
+          </a:p>
+        </p:txBody>
+      </p:sp>
+      <p:pic>
+        <p:nvPicPr>
+          <p:cNvPr id="2" name="Picture 1"/>
+          <p:cNvPicPr>
+            <a:picLocks noChangeAspect="1"/>
+          </p:cNvPicPr>
+          <p:nvPr/>
+        </p:nvPicPr>
+        <p:blipFill>
+          <a:blip r:embed="rId3"/>
+          <a:stretch>
+            <a:fillRect/>
+          </a:stretch>
+        </p:blipFill>
+        <p:spPr>
+          <a:xfrm>
+            <a:off x="4960700" y="1017484"/>
+            <a:ext cx="5876925" cy="2857500"/>
+          </a:xfrm>
+          <a:prstGeom prst="rect">
+            <a:avLst/>
+          </a:prstGeom>
+        </p:spPr>
+      </p:pic>
+      <p:pic>
+        <p:nvPicPr>
+          <p:cNvPr id="5" name="Picture 4"/>
+          <p:cNvPicPr>
+            <a:picLocks noChangeAspect="1"/>
+          </p:cNvPicPr>
+          <p:nvPr/>
+        </p:nvPicPr>
+        <p:blipFill>
+          <a:blip r:embed="rId4"/>
+          <a:stretch>
+            <a:fillRect/>
+          </a:stretch>
+        </p:blipFill>
+        <p:spPr>
+          <a:xfrm>
+            <a:off x="5744910" y="2053127"/>
+            <a:ext cx="5715000" cy="2857500"/>
+          </a:xfrm>
+          <a:prstGeom prst="rect">
+            <a:avLst/>
+          </a:prstGeom>
+        </p:spPr>
+      </p:pic>
+      <p:pic>
+        <p:nvPicPr>
+          <p:cNvPr id="6" name="Picture 5"/>
+          <p:cNvPicPr>
+            <a:picLocks noChangeAspect="1"/>
+          </p:cNvPicPr>
+          <p:nvPr/>
+        </p:nvPicPr>
+        <p:blipFill>
+          <a:blip r:embed="rId5"/>
+          <a:stretch>
+            <a:fillRect/>
+          </a:stretch>
+        </p:blipFill>
+        <p:spPr>
+          <a:xfrm>
+            <a:off x="990689" y="3036694"/>
+            <a:ext cx="5886450" cy="2886075"/>
+          </a:xfrm>
+          <a:prstGeom prst="rect">
+            <a:avLst/>
+          </a:prstGeom>
+        </p:spPr>
+      </p:pic>
+      <p:pic>
+        <p:nvPicPr>
+          <p:cNvPr id="7" name="Picture 6"/>
+          <p:cNvPicPr>
+            <a:picLocks noChangeAspect="1"/>
+          </p:cNvPicPr>
+          <p:nvPr/>
+        </p:nvPicPr>
+        <p:blipFill>
+          <a:blip r:embed="rId6"/>
+          <a:stretch>
+            <a:fillRect/>
+          </a:stretch>
+        </p:blipFill>
+        <p:spPr>
+          <a:xfrm>
+            <a:off x="2198983" y="4910627"/>
+            <a:ext cx="3743325" cy="1295400"/>
+          </a:xfrm>
+          <a:prstGeom prst="rect">
+            <a:avLst/>
+          </a:prstGeom>
+        </p:spPr>
+      </p:pic>
+    </p:spTree>
+    <p:extLst>
+      <p:ext uri="{BB962C8B-B14F-4D97-AF65-F5344CB8AC3E}">
+        <p14:creationId xmlns:p14="http://schemas.microsoft.com/office/powerpoint/2010/main" val="2513540869"/>
+      </p:ext>
+    </p:extLst>
+  </p:cSld>
+  <p:clrMapOvr>
+    <a:masterClrMapping/>
+  </p:clrMapOvr>
+  <p:timing>
+    <p:tnLst>
+      <p:par>
+        <p:cTn id="1" dur="indefinite" restart="never" nodeType="tmRoot"/>
+      </p:par>
+    </p:tnLst>
+  </p:timing>
+</p:sld>
+</file>
+
+<file path=ppt/slides/slide16.xml><?xml version="1.0" encoding="utf-8"?>
+<p:sld xmlns:a="http://schemas.openxmlformats.org/drawingml/2006/main" xmlns:r="http://schemas.openxmlformats.org/officeDocument/2006/relationships" xmlns:p="http://schemas.openxmlformats.org/presentationml/2006/main">
+  <p:cSld>
+    <p:bg>
+      <p:bgPr>
+        <a:blipFill dpi="0" rotWithShape="1">
+          <a:blip r:embed="rId2">
+            <a:alphaModFix amt="0"/>
+            <a:duotone>
+              <a:schemeClr val="bg2">
+                <a:shade val="88000"/>
+                <a:hueMod val="106000"/>
+                <a:satMod val="140000"/>
+                <a:lumMod val="54000"/>
+              </a:schemeClr>
+              <a:schemeClr val="bg2">
+                <a:tint val="98000"/>
+                <a:hueMod val="90000"/>
+                <a:satMod val="150000"/>
+                <a:lumMod val="160000"/>
+              </a:schemeClr>
+            </a:duotone>
+            <a:lum/>
+          </a:blip>
+          <a:srcRect/>
+          <a:stretch>
+            <a:fillRect/>
+          </a:stretch>
+        </a:blipFill>
+        <a:effectLst/>
+      </p:bgPr>
+    </p:bg>
+    <p:spTree>
+      <p:nvGrpSpPr>
+        <p:cNvPr id="1" name=""/>
+        <p:cNvGrpSpPr/>
+        <p:nvPr/>
+      </p:nvGrpSpPr>
+      <p:grpSpPr>
+        <a:xfrm>
+          <a:off x="0" y="0"/>
+          <a:ext cx="0" cy="0"/>
+          <a:chOff x="0" y="0"/>
+          <a:chExt cx="0" cy="0"/>
+        </a:xfrm>
+      </p:grpSpPr>
+      <p:sp>
+        <p:nvSpPr>
+          <p:cNvPr id="15" name="TextBox 14"/>
+          <p:cNvSpPr txBox="1"/>
+          <p:nvPr/>
+        </p:nvSpPr>
+        <p:spPr>
+          <a:xfrm>
+            <a:off x="1679293" y="350377"/>
+            <a:ext cx="7174150" cy="523220"/>
+          </a:xfrm>
+          <a:prstGeom prst="rect">
+            <a:avLst/>
+          </a:prstGeom>
+          <a:noFill/>
+        </p:spPr>
+        <p:txBody>
+          <a:bodyPr wrap="square" rtlCol="0">
+            <a:spAutoFit/>
+          </a:bodyPr>
+          <a:lstStyle/>
+          <a:p>
+            <a:r>
+              <a:rPr lang="ru-RU" sz="2800" dirty="0" smtClean="0">
+                <a:solidFill>
+                  <a:schemeClr val="bg1">
+                    <a:lumMod val="85000"/>
+                    <a:lumOff val="15000"/>
+                  </a:schemeClr>
+                </a:solidFill>
+              </a:rPr>
+              <a:t>Поиск</a:t>
+            </a:r>
+            <a:endParaRPr lang="en-US" sz="2800" dirty="0">
+              <a:solidFill>
+                <a:schemeClr val="bg1">
+                  <a:lumMod val="85000"/>
+                  <a:lumOff val="15000"/>
+                </a:schemeClr>
+              </a:solidFill>
+            </a:endParaRPr>
+          </a:p>
+        </p:txBody>
+      </p:sp>
+      <p:pic>
+        <p:nvPicPr>
+          <p:cNvPr id="3" name="Picture 2"/>
+          <p:cNvPicPr>
+            <a:picLocks noChangeAspect="1"/>
+          </p:cNvPicPr>
+          <p:nvPr/>
+        </p:nvPicPr>
+        <p:blipFill>
+          <a:blip r:embed="rId3"/>
+          <a:stretch>
+            <a:fillRect/>
+          </a:stretch>
+        </p:blipFill>
+        <p:spPr>
+          <a:xfrm>
+            <a:off x="1516879" y="1209942"/>
+            <a:ext cx="7620000" cy="4267200"/>
+          </a:xfrm>
+          <a:prstGeom prst="rect">
+            <a:avLst/>
+          </a:prstGeom>
+        </p:spPr>
+      </p:pic>
+    </p:spTree>
+    <p:extLst>
+      <p:ext uri="{BB962C8B-B14F-4D97-AF65-F5344CB8AC3E}">
+        <p14:creationId xmlns:p14="http://schemas.microsoft.com/office/powerpoint/2010/main" val="3539029241"/>
+      </p:ext>
+    </p:extLst>
+  </p:cSld>
+  <p:clrMapOvr>
+    <a:masterClrMapping/>
+  </p:clrMapOvr>
+  <p:timing>
+    <p:tnLst>
+      <p:par>
+        <p:cTn id="1" dur="indefinite" restart="never" nodeType="tmRoot"/>
+      </p:par>
+    </p:tnLst>
+  </p:timing>
+</p:sld>
+</file>
+
+<file path=ppt/slides/slide17.xml><?xml version="1.0" encoding="utf-8"?>
+<p:sld xmlns:a="http://schemas.openxmlformats.org/drawingml/2006/main" xmlns:r="http://schemas.openxmlformats.org/officeDocument/2006/relationships" xmlns:p="http://schemas.openxmlformats.org/presentationml/2006/main">
+  <p:cSld>
+    <p:bg>
+      <p:bgPr>
+        <a:blipFill dpi="0" rotWithShape="1">
+          <a:blip r:embed="rId2">
+            <a:alphaModFix amt="0"/>
+            <a:duotone>
+              <a:schemeClr val="bg2">
+                <a:shade val="88000"/>
+                <a:hueMod val="106000"/>
+                <a:satMod val="140000"/>
+                <a:lumMod val="54000"/>
+              </a:schemeClr>
+              <a:schemeClr val="bg2">
+                <a:tint val="98000"/>
+                <a:hueMod val="90000"/>
+                <a:satMod val="150000"/>
+                <a:lumMod val="160000"/>
+              </a:schemeClr>
+            </a:duotone>
+            <a:lum/>
+          </a:blip>
+          <a:srcRect/>
+          <a:stretch>
+            <a:fillRect/>
+          </a:stretch>
+        </a:blipFill>
+        <a:effectLst/>
+      </p:bgPr>
+    </p:bg>
+    <p:spTree>
+      <p:nvGrpSpPr>
+        <p:cNvPr id="1" name=""/>
+        <p:cNvGrpSpPr/>
+        <p:nvPr/>
+      </p:nvGrpSpPr>
+      <p:grpSpPr>
+        <a:xfrm>
+          <a:off x="0" y="0"/>
+          <a:ext cx="0" cy="0"/>
+          <a:chOff x="0" y="0"/>
+          <a:chExt cx="0" cy="0"/>
+        </a:xfrm>
+      </p:grpSpPr>
+      <p:sp>
+        <p:nvSpPr>
+          <p:cNvPr id="15" name="TextBox 14"/>
+          <p:cNvSpPr txBox="1"/>
+          <p:nvPr/>
+        </p:nvSpPr>
+        <p:spPr>
+          <a:xfrm>
+            <a:off x="1679293" y="350377"/>
+            <a:ext cx="7174150" cy="523220"/>
+          </a:xfrm>
+          <a:prstGeom prst="rect">
+            <a:avLst/>
+          </a:prstGeom>
+          <a:noFill/>
+        </p:spPr>
+        <p:txBody>
+          <a:bodyPr wrap="square" rtlCol="0">
+            <a:spAutoFit/>
+          </a:bodyPr>
+          <a:lstStyle/>
+          <a:p>
+            <a:r>
+              <a:rPr lang="ru-RU" sz="2800" dirty="0" smtClean="0">
+                <a:solidFill>
+                  <a:schemeClr val="bg1">
+                    <a:lumMod val="85000"/>
+                    <a:lumOff val="15000"/>
+                  </a:schemeClr>
+                </a:solidFill>
+              </a:rPr>
+              <a:t>Статистика</a:t>
+            </a:r>
+            <a:endParaRPr lang="en-US" sz="2800" dirty="0">
+              <a:solidFill>
+                <a:schemeClr val="bg1">
+                  <a:lumMod val="85000"/>
+                  <a:lumOff val="15000"/>
+                </a:schemeClr>
+              </a:solidFill>
+            </a:endParaRPr>
+          </a:p>
+        </p:txBody>
+      </p:sp>
+      <p:pic>
+        <p:nvPicPr>
+          <p:cNvPr id="4" name="Picture 3"/>
+          <p:cNvPicPr>
+            <a:picLocks noChangeAspect="1"/>
+          </p:cNvPicPr>
+          <p:nvPr/>
+        </p:nvPicPr>
+        <p:blipFill>
+          <a:blip r:embed="rId3"/>
+          <a:stretch>
+            <a:fillRect/>
+          </a:stretch>
+        </p:blipFill>
+        <p:spPr>
+          <a:xfrm>
+            <a:off x="4093434" y="873597"/>
+            <a:ext cx="4443813" cy="5648696"/>
+          </a:xfrm>
+          <a:prstGeom prst="rect">
+            <a:avLst/>
+          </a:prstGeom>
+        </p:spPr>
+      </p:pic>
+    </p:spTree>
+    <p:extLst>
+      <p:ext uri="{BB962C8B-B14F-4D97-AF65-F5344CB8AC3E}">
+        <p14:creationId xmlns:p14="http://schemas.microsoft.com/office/powerpoint/2010/main" val="2059366008"/>
+      </p:ext>
+    </p:extLst>
+  </p:cSld>
+  <p:clrMapOvr>
+    <a:masterClrMapping/>
+  </p:clrMapOvr>
+  <p:timing>
+    <p:tnLst>
+      <p:par>
+        <p:cTn id="1" dur="indefinite" restart="never" nodeType="tmRoot"/>
+      </p:par>
+    </p:tnLst>
+  </p:timing>
+</p:sld>
+</file>
+
+<file path=ppt/slides/slide18.xml><?xml version="1.0" encoding="utf-8"?>
+<p:sld xmlns:a="http://schemas.openxmlformats.org/drawingml/2006/main" xmlns:r="http://schemas.openxmlformats.org/officeDocument/2006/relationships" xmlns:p="http://schemas.openxmlformats.org/presentationml/2006/main">
+  <p:cSld>
+    <p:bg>
+      <p:bgPr>
+        <a:blipFill dpi="0" rotWithShape="1">
+          <a:blip r:embed="rId2">
+            <a:alphaModFix amt="0"/>
+            <a:duotone>
+              <a:schemeClr val="bg2">
+                <a:shade val="88000"/>
+                <a:hueMod val="106000"/>
+                <a:satMod val="140000"/>
+                <a:lumMod val="54000"/>
+              </a:schemeClr>
+              <a:schemeClr val="bg2">
+                <a:tint val="98000"/>
+                <a:hueMod val="90000"/>
+                <a:satMod val="150000"/>
+                <a:lumMod val="160000"/>
+              </a:schemeClr>
+            </a:duotone>
+            <a:lum/>
+          </a:blip>
+          <a:srcRect/>
+          <a:stretch>
+            <a:fillRect/>
+          </a:stretch>
+        </a:blipFill>
+        <a:effectLst/>
+      </p:bgPr>
+    </p:bg>
+    <p:spTree>
+      <p:nvGrpSpPr>
+        <p:cNvPr id="1" name=""/>
+        <p:cNvGrpSpPr/>
+        <p:nvPr/>
+      </p:nvGrpSpPr>
+      <p:grpSpPr>
+        <a:xfrm>
+          <a:off x="0" y="0"/>
+          <a:ext cx="0" cy="0"/>
+          <a:chOff x="0" y="0"/>
+          <a:chExt cx="0" cy="0"/>
+        </a:xfrm>
+      </p:grpSpPr>
+      <p:sp>
+        <p:nvSpPr>
+          <p:cNvPr id="15" name="TextBox 14"/>
+          <p:cNvSpPr txBox="1"/>
+          <p:nvPr/>
+        </p:nvSpPr>
+        <p:spPr>
+          <a:xfrm>
+            <a:off x="1875847" y="367469"/>
+            <a:ext cx="7174150" cy="523220"/>
+          </a:xfrm>
+          <a:prstGeom prst="rect">
+            <a:avLst/>
+          </a:prstGeom>
+          <a:noFill/>
+        </p:spPr>
+        <p:txBody>
+          <a:bodyPr wrap="square" rtlCol="0">
+            <a:spAutoFit/>
+          </a:bodyPr>
+          <a:lstStyle/>
+          <a:p>
+            <a:r>
+              <a:rPr lang="ru-RU" sz="2800" dirty="0" smtClean="0">
+                <a:solidFill>
+                  <a:schemeClr val="bg1">
+                    <a:lumMod val="85000"/>
+                    <a:lumOff val="15000"/>
+                  </a:schemeClr>
+                </a:solidFill>
+              </a:rPr>
+              <a:t>Пользователи и роли</a:t>
+            </a:r>
+            <a:endParaRPr lang="en-US" sz="2800" dirty="0">
+              <a:solidFill>
+                <a:schemeClr val="bg1">
+                  <a:lumMod val="85000"/>
+                  <a:lumOff val="15000"/>
+                </a:schemeClr>
+              </a:solidFill>
+            </a:endParaRPr>
+          </a:p>
+        </p:txBody>
+      </p:sp>
+      <p:sp>
+        <p:nvSpPr>
+          <p:cNvPr id="3" name="Smiley Face 2"/>
+          <p:cNvSpPr/>
+          <p:nvPr/>
+        </p:nvSpPr>
+        <p:spPr>
+          <a:xfrm>
+            <a:off x="2153541" y="1705136"/>
+            <a:ext cx="905854" cy="803305"/>
+          </a:xfrm>
+          <a:prstGeom prst="smileyFace">
+            <a:avLst/>
+          </a:prstGeom>
+        </p:spPr>
+        <p:style>
+          <a:lnRef idx="3">
+            <a:schemeClr val="lt1"/>
+          </a:lnRef>
+          <a:fillRef idx="1">
+            <a:schemeClr val="accent5"/>
+          </a:fillRef>
+          <a:effectRef idx="1">
+            <a:schemeClr val="accent5"/>
+          </a:effectRef>
+          <a:fontRef idx="minor">
+            <a:schemeClr val="lt1"/>
+          </a:fontRef>
+        </p:style>
+        <p:txBody>
+          <a:bodyPr rtlCol="0" anchor="ctr"/>
+          <a:lstStyle/>
+          <a:p>
+            <a:pPr algn="ctr"/>
+            <a:endParaRPr lang="en-US"/>
+          </a:p>
+        </p:txBody>
+      </p:sp>
+      <p:sp>
+        <p:nvSpPr>
+          <p:cNvPr id="8" name="Smiley Face 7"/>
+          <p:cNvSpPr/>
+          <p:nvPr/>
+        </p:nvSpPr>
+        <p:spPr>
+          <a:xfrm>
+            <a:off x="4664580" y="3758725"/>
+            <a:ext cx="905854" cy="803305"/>
+          </a:xfrm>
+          <a:prstGeom prst="smileyFace">
+            <a:avLst/>
+          </a:prstGeom>
+        </p:spPr>
+        <p:style>
+          <a:lnRef idx="2">
+            <a:schemeClr val="accent1">
+              <a:shade val="50000"/>
+            </a:schemeClr>
+          </a:lnRef>
+          <a:fillRef idx="1">
+            <a:schemeClr val="accent1"/>
+          </a:fillRef>
+          <a:effectRef idx="0">
+            <a:schemeClr val="accent1"/>
+          </a:effectRef>
+          <a:fontRef idx="minor">
+            <a:schemeClr val="lt1"/>
+          </a:fontRef>
+        </p:style>
+        <p:txBody>
+          <a:bodyPr rtlCol="0" anchor="ctr"/>
+          <a:lstStyle/>
+          <a:p>
+            <a:pPr algn="ctr"/>
+            <a:endParaRPr lang="en-US"/>
+          </a:p>
+        </p:txBody>
+      </p:sp>
+      <p:sp>
+        <p:nvSpPr>
+          <p:cNvPr id="9" name="Smiley Face 8"/>
+          <p:cNvSpPr/>
+          <p:nvPr/>
+        </p:nvSpPr>
+        <p:spPr>
+          <a:xfrm>
+            <a:off x="7192711" y="1705135"/>
+            <a:ext cx="905854" cy="803305"/>
+          </a:xfrm>
+          <a:prstGeom prst="smileyFace">
+            <a:avLst/>
+          </a:prstGeom>
+        </p:spPr>
+        <p:style>
+          <a:lnRef idx="1">
+            <a:schemeClr val="accent4"/>
+          </a:lnRef>
+          <a:fillRef idx="2">
+            <a:schemeClr val="accent4"/>
+          </a:fillRef>
+          <a:effectRef idx="1">
+            <a:schemeClr val="accent4"/>
+          </a:effectRef>
+          <a:fontRef idx="minor">
+            <a:schemeClr val="dk1"/>
+          </a:fontRef>
+        </p:style>
+        <p:txBody>
+          <a:bodyPr rtlCol="0" anchor="ctr"/>
+          <a:lstStyle/>
+          <a:p>
+            <a:pPr algn="ctr"/>
+            <a:endParaRPr lang="en-US"/>
+          </a:p>
+        </p:txBody>
+      </p:sp>
+      <p:sp>
+        <p:nvSpPr>
+          <p:cNvPr id="4" name="TextBox 3"/>
+          <p:cNvSpPr txBox="1"/>
+          <p:nvPr/>
+        </p:nvSpPr>
+        <p:spPr>
+          <a:xfrm>
+            <a:off x="1580972" y="2657742"/>
+            <a:ext cx="2187723" cy="738664"/>
+          </a:xfrm>
+          <a:prstGeom prst="rect">
+            <a:avLst/>
+          </a:prstGeom>
+          <a:noFill/>
+        </p:spPr>
+        <p:txBody>
+          <a:bodyPr wrap="square" rtlCol="0">
+            <a:spAutoFit/>
+          </a:bodyPr>
+          <a:lstStyle/>
+          <a:p>
+            <a:r>
+              <a:rPr lang="ru-RU" sz="1400" dirty="0" smtClean="0">
+                <a:solidFill>
+                  <a:schemeClr val="bg1"/>
+                </a:solidFill>
+              </a:rPr>
+              <a:t>Администратор – может все (но ему лень)</a:t>
+            </a:r>
+            <a:r>
+              <a:rPr lang="ru-RU" sz="1400" dirty="0" smtClean="0">
+                <a:solidFill>
+                  <a:schemeClr val="bg1"/>
+                </a:solidFill>
+                <a:sym typeface="Wingdings" panose="05000000000000000000" pitchFamily="2" charset="2"/>
+              </a:rPr>
+              <a:t> </a:t>
+            </a:r>
+            <a:endParaRPr lang="en-US" sz="1400" dirty="0">
+              <a:solidFill>
+                <a:schemeClr val="bg1"/>
+              </a:solidFill>
+            </a:endParaRPr>
+          </a:p>
+        </p:txBody>
+      </p:sp>
+      <p:sp>
+        <p:nvSpPr>
+          <p:cNvPr id="10" name="TextBox 9"/>
+          <p:cNvSpPr txBox="1"/>
+          <p:nvPr/>
+        </p:nvSpPr>
+        <p:spPr>
+          <a:xfrm>
+            <a:off x="4144710" y="4742916"/>
+            <a:ext cx="2153540" cy="954107"/>
+          </a:xfrm>
+          <a:prstGeom prst="rect">
+            <a:avLst/>
+          </a:prstGeom>
+          <a:noFill/>
+        </p:spPr>
+        <p:txBody>
+          <a:bodyPr wrap="square" rtlCol="0">
+            <a:spAutoFit/>
+          </a:bodyPr>
+          <a:lstStyle/>
+          <a:p>
+            <a:r>
+              <a:rPr lang="ru-RU" sz="1400" dirty="0" smtClean="0">
+                <a:solidFill>
+                  <a:schemeClr val="bg1"/>
+                </a:solidFill>
+              </a:rPr>
+              <a:t>Управляющий складом – все действия, кроме списания товаров</a:t>
+            </a:r>
+            <a:endParaRPr lang="en-US" sz="1400" dirty="0">
+              <a:solidFill>
+                <a:schemeClr val="bg1"/>
+              </a:solidFill>
+            </a:endParaRPr>
+          </a:p>
+        </p:txBody>
+      </p:sp>
+      <p:sp>
+        <p:nvSpPr>
+          <p:cNvPr id="12" name="TextBox 11"/>
+          <p:cNvSpPr txBox="1"/>
+          <p:nvPr/>
+        </p:nvSpPr>
+        <p:spPr>
+          <a:xfrm>
+            <a:off x="6930639" y="2508441"/>
+            <a:ext cx="1888621" cy="1600438"/>
+          </a:xfrm>
+          <a:prstGeom prst="rect">
+            <a:avLst/>
+          </a:prstGeom>
+          <a:noFill/>
+        </p:spPr>
+        <p:txBody>
+          <a:bodyPr wrap="square" rtlCol="0">
+            <a:spAutoFit/>
+          </a:bodyPr>
+          <a:lstStyle/>
+          <a:p>
+            <a:r>
+              <a:rPr lang="ru-RU" sz="1400" dirty="0" smtClean="0">
+                <a:solidFill>
+                  <a:schemeClr val="bg1"/>
+                </a:solidFill>
+              </a:rPr>
+              <a:t>Менеджер по продажам – не может добавлять и редактировать категории и товары, но может списывать</a:t>
+            </a:r>
+            <a:endParaRPr lang="en-US" sz="1400" dirty="0">
+              <a:solidFill>
+                <a:schemeClr val="bg1"/>
+              </a:solidFill>
+            </a:endParaRPr>
+          </a:p>
+        </p:txBody>
+      </p:sp>
+    </p:spTree>
+    <p:extLst>
+      <p:ext uri="{BB962C8B-B14F-4D97-AF65-F5344CB8AC3E}">
+        <p14:creationId xmlns:p14="http://schemas.microsoft.com/office/powerpoint/2010/main" val="1651021990"/>
+      </p:ext>
+    </p:extLst>
+  </p:cSld>
+  <p:clrMapOvr>
+    <a:masterClrMapping/>
+  </p:clrMapOvr>
+  <p:timing>
+    <p:tnLst>
+      <p:par>
+        <p:cTn id="1" dur="indefinite" restart="never" nodeType="tmRoot"/>
+      </p:par>
+    </p:tnLst>
+  </p:timing>
+</p:sld>
+</file>
+
+<file path=ppt/slides/slide19.xml><?xml version="1.0" encoding="utf-8"?>
+<p:sld xmlns:a="http://schemas.openxmlformats.org/drawingml/2006/main" xmlns:r="http://schemas.openxmlformats.org/officeDocument/2006/relationships" xmlns:p="http://schemas.openxmlformats.org/presentationml/2006/main">
+  <p:cSld>
+    <p:bg>
+      <p:bgPr>
+        <a:blipFill dpi="0" rotWithShape="1">
+          <a:blip r:embed="rId2">
+            <a:alphaModFix amt="0"/>
+            <a:duotone>
+              <a:schemeClr val="bg2">
+                <a:shade val="88000"/>
+                <a:hueMod val="106000"/>
+                <a:satMod val="140000"/>
+                <a:lumMod val="54000"/>
+              </a:schemeClr>
+              <a:schemeClr val="bg2">
+                <a:tint val="98000"/>
+                <a:hueMod val="90000"/>
+                <a:satMod val="150000"/>
+                <a:lumMod val="160000"/>
+              </a:schemeClr>
+            </a:duotone>
+            <a:lum/>
+          </a:blip>
+          <a:srcRect/>
+          <a:stretch>
+            <a:fillRect/>
+          </a:stretch>
+        </a:blipFill>
+        <a:effectLst/>
+      </p:bgPr>
+    </p:bg>
+    <p:spTree>
+      <p:nvGrpSpPr>
+        <p:cNvPr id="1" name=""/>
+        <p:cNvGrpSpPr/>
+        <p:nvPr/>
+      </p:nvGrpSpPr>
+      <p:grpSpPr>
+        <a:xfrm>
+          <a:off x="0" y="0"/>
+          <a:ext cx="0" cy="0"/>
+          <a:chOff x="0" y="0"/>
+          <a:chExt cx="0" cy="0"/>
+        </a:xfrm>
+      </p:grpSpPr>
+      <p:sp>
+        <p:nvSpPr>
+          <p:cNvPr id="2" name="TextBox 1"/>
+          <p:cNvSpPr txBox="1"/>
+          <p:nvPr/>
+        </p:nvSpPr>
+        <p:spPr>
+          <a:xfrm>
+            <a:off x="1743342" y="512748"/>
+            <a:ext cx="7084464" cy="461665"/>
+          </a:xfrm>
+          <a:prstGeom prst="rect">
+            <a:avLst/>
+          </a:prstGeom>
+          <a:noFill/>
+        </p:spPr>
+        <p:txBody>
+          <a:bodyPr wrap="square" rtlCol="0">
+            <a:spAutoFit/>
+          </a:bodyPr>
+          <a:lstStyle/>
+          <a:p>
+            <a:r>
+              <a:rPr lang="ru-RU" sz="2400" dirty="0" smtClean="0">
+                <a:solidFill>
+                  <a:schemeClr val="bg1"/>
+                </a:solidFill>
+              </a:rPr>
+              <a:t>Исходники</a:t>
+            </a:r>
+            <a:endParaRPr lang="en-US" sz="2400" dirty="0">
+              <a:solidFill>
+                <a:schemeClr val="bg1"/>
+              </a:solidFill>
+            </a:endParaRPr>
+          </a:p>
+        </p:txBody>
+      </p:sp>
+      <p:sp>
+        <p:nvSpPr>
+          <p:cNvPr id="5" name="TextBox 4"/>
+          <p:cNvSpPr txBox="1"/>
+          <p:nvPr/>
+        </p:nvSpPr>
+        <p:spPr>
+          <a:xfrm>
+            <a:off x="1512607" y="2726108"/>
+            <a:ext cx="9126908" cy="369332"/>
+          </a:xfrm>
+          <a:prstGeom prst="rect">
+            <a:avLst/>
+          </a:prstGeom>
+          <a:solidFill>
+            <a:srgbClr val="002060"/>
+          </a:solidFill>
+          <a:ln>
+            <a:solidFill>
+              <a:schemeClr val="accent3">
+                <a:lumMod val="50000"/>
+              </a:schemeClr>
+            </a:solidFill>
+          </a:ln>
+        </p:spPr>
+        <p:txBody>
+          <a:bodyPr wrap="square" rtlCol="0">
+            <a:spAutoFit/>
+          </a:bodyPr>
+          <a:lstStyle/>
+          <a:p>
+            <a:r>
+              <a:rPr lang="en-US" dirty="0">
+                <a:solidFill>
+                  <a:schemeClr val="tx1">
+                    <a:lumMod val="75000"/>
+                  </a:schemeClr>
+                </a:solidFill>
+                <a:hlinkClick r:id="rId3"/>
+              </a:rPr>
+              <a:t>https://github.com/samgrim/GoodsBase.git</a:t>
+            </a:r>
+            <a:endParaRPr lang="en-US" dirty="0">
+              <a:solidFill>
+                <a:schemeClr val="tx1">
+                  <a:lumMod val="75000"/>
+                </a:schemeClr>
+              </a:solidFill>
+            </a:endParaRPr>
+          </a:p>
+        </p:txBody>
+      </p:sp>
+    </p:spTree>
+    <p:extLst>
+      <p:ext uri="{BB962C8B-B14F-4D97-AF65-F5344CB8AC3E}">
+        <p14:creationId xmlns:p14="http://schemas.microsoft.com/office/powerpoint/2010/main" val="524832767"/>
       </p:ext>
     </p:extLst>
   </p:cSld>
@@ -12643,7 +14380,7 @@
         </p:nvSpPr>
         <p:spPr>
           <a:xfrm>
-            <a:off x="1399308" y="3011055"/>
+            <a:off x="2249054" y="3335795"/>
             <a:ext cx="1967345" cy="914400"/>
           </a:xfrm>
           <a:prstGeom prst="roundRect">
@@ -12699,8 +14436,8 @@
         </p:nvCxnSpPr>
         <p:spPr>
           <a:xfrm flipH="1">
-            <a:off x="3468253" y="3412836"/>
-            <a:ext cx="1593274" cy="0"/>
+            <a:off x="4350325" y="3412836"/>
+            <a:ext cx="711202" cy="278947"/>
           </a:xfrm>
           <a:prstGeom prst="straightConnector1">
             <a:avLst/>
@@ -12788,7 +14525,7 @@
         </p:nvSpPr>
         <p:spPr>
           <a:xfrm>
-            <a:off x="8400471" y="2955636"/>
+            <a:off x="7813618" y="3412836"/>
             <a:ext cx="1967345" cy="914400"/>
           </a:xfrm>
           <a:prstGeom prst="roundRect">
@@ -12878,7 +14615,7 @@
         <p:spPr>
           <a:xfrm>
             <a:off x="6816436" y="3412836"/>
-            <a:ext cx="1450109" cy="0"/>
+            <a:ext cx="832050" cy="278947"/>
           </a:xfrm>
           <a:prstGeom prst="straightConnector1">
             <a:avLst/>
@@ -12902,116 +14639,6 @@
           </a:fontRef>
         </p:style>
       </p:cxnSp>
-      <p:sp>
-        <p:nvSpPr>
-          <p:cNvPr id="17" name="Rounded Rectangle 16"/>
-          <p:cNvSpPr/>
-          <p:nvPr/>
-        </p:nvSpPr>
-        <p:spPr>
-          <a:xfrm>
-            <a:off x="4641272" y="4886036"/>
-            <a:ext cx="2623127" cy="1163782"/>
-          </a:xfrm>
-          <a:prstGeom prst="roundRect">
-            <a:avLst/>
-          </a:prstGeom>
-        </p:spPr>
-        <p:style>
-          <a:lnRef idx="2">
-            <a:schemeClr val="accent3"/>
-          </a:lnRef>
-          <a:fillRef idx="1">
-            <a:schemeClr val="lt1"/>
-          </a:fillRef>
-          <a:effectRef idx="0">
-            <a:schemeClr val="accent3"/>
-          </a:effectRef>
-          <a:fontRef idx="minor">
-            <a:schemeClr val="dk1"/>
-          </a:fontRef>
-        </p:style>
-        <p:txBody>
-          <a:bodyPr rtlCol="0" anchor="ctr"/>
-          <a:lstStyle/>
-          <a:p>
-            <a:pPr algn="ctr"/>
-            <a:r>
-              <a:rPr lang="ru-RU" dirty="0" smtClean="0"/>
-              <a:t>Грабить </a:t>
-            </a:r>
-            <a:r>
-              <a:rPr lang="ru-RU" dirty="0" err="1"/>
-              <a:t>к</a:t>
-            </a:r>
-            <a:r>
-              <a:rPr lang="ru-RU" dirty="0" err="1" smtClean="0"/>
-              <a:t>орованы</a:t>
-            </a:r>
-            <a:endParaRPr lang="en-US" dirty="0"/>
-          </a:p>
-        </p:txBody>
-      </p:sp>
-      <p:cxnSp>
-        <p:nvCxnSpPr>
-          <p:cNvPr id="19" name="Straight Connector 18"/>
-          <p:cNvCxnSpPr/>
-          <p:nvPr/>
-        </p:nvCxnSpPr>
-        <p:spPr>
-          <a:xfrm flipH="1">
-            <a:off x="4451926" y="4812145"/>
-            <a:ext cx="2964874" cy="1237673"/>
-          </a:xfrm>
-          <a:prstGeom prst="line">
-            <a:avLst/>
-          </a:prstGeom>
-        </p:spPr>
-        <p:style>
-          <a:lnRef idx="3">
-            <a:schemeClr val="accent3"/>
-          </a:lnRef>
-          <a:fillRef idx="0">
-            <a:schemeClr val="accent3"/>
-          </a:fillRef>
-          <a:effectRef idx="2">
-            <a:schemeClr val="accent3"/>
-          </a:effectRef>
-          <a:fontRef idx="minor">
-            <a:schemeClr val="tx1"/>
-          </a:fontRef>
-        </p:style>
-      </p:cxnSp>
-      <p:cxnSp>
-        <p:nvCxnSpPr>
-          <p:cNvPr id="21" name="Straight Connector 20"/>
-          <p:cNvCxnSpPr/>
-          <p:nvPr/>
-        </p:nvCxnSpPr>
-        <p:spPr>
-          <a:xfrm>
-            <a:off x="4451926" y="4729018"/>
-            <a:ext cx="2964874" cy="1320800"/>
-          </a:xfrm>
-          <a:prstGeom prst="line">
-            <a:avLst/>
-          </a:prstGeom>
-        </p:spPr>
-        <p:style>
-          <a:lnRef idx="3">
-            <a:schemeClr val="accent3"/>
-          </a:lnRef>
-          <a:fillRef idx="0">
-            <a:schemeClr val="accent3"/>
-          </a:fillRef>
-          <a:effectRef idx="2">
-            <a:schemeClr val="accent3"/>
-          </a:effectRef>
-          <a:fontRef idx="minor">
-            <a:schemeClr val="tx1"/>
-          </a:fontRef>
-        </p:style>
-      </p:cxnSp>
     </p:spTree>
     <p:extLst>
       <p:ext uri="{BB962C8B-B14F-4D97-AF65-F5344CB8AC3E}">
@@ -13022,11 +14649,11 @@
   <p:clrMapOvr>
     <a:masterClrMapping/>
   </p:clrMapOvr>
-  <mc:AlternateContent xmlns:mc="http://schemas.openxmlformats.org/markup-compatibility/2006">
-    <mc:Choice xmlns:p14="http://schemas.microsoft.com/office/powerpoint/2010/main" Requires="p14">
+  <mc:AlternateContent xmlns:mc="http://schemas.openxmlformats.org/markup-compatibility/2006" xmlns:p14="http://schemas.microsoft.com/office/powerpoint/2010/main">
+    <mc:Choice Requires="p14">
       <p:transition p14:dur="10"/>
     </mc:Choice>
-    <mc:Fallback>
+    <mc:Fallback xmlns="">
       <p:transition/>
     </mc:Fallback>
   </mc:AlternateContent>
@@ -13291,7 +14918,7 @@
         <p:spPr>
           <a:xfrm>
             <a:off x="3870033" y="2312282"/>
-            <a:ext cx="1219200" cy="338554"/>
+            <a:ext cx="1422400" cy="584775"/>
           </a:xfrm>
           <a:prstGeom prst="rect">
             <a:avLst/>
@@ -13310,7 +14937,7 @@
                   <a:schemeClr val="bg1"/>
                 </a:solidFill>
               </a:rPr>
-              <a:t>Сервер</a:t>
+              <a:t>Серверная часть</a:t>
             </a:r>
             <a:endParaRPr lang="en-US" sz="1600" dirty="0">
               <a:solidFill>
@@ -13594,7 +15221,7 @@
         </p:nvSpPr>
         <p:spPr>
           <a:xfrm>
-            <a:off x="7028872" y="2275865"/>
+            <a:off x="6951960" y="2281400"/>
             <a:ext cx="2022764" cy="523220"/>
           </a:xfrm>
           <a:prstGeom prst="rect">
@@ -13614,7 +15241,7 @@
                   <a:schemeClr val="bg1"/>
                 </a:solidFill>
               </a:rPr>
-              <a:t>Клиентские приложения</a:t>
+              <a:t>Клиентский интерфейс</a:t>
             </a:r>
             <a:endParaRPr lang="en-US" sz="1400" dirty="0">
               <a:solidFill>
@@ -13692,6 +15319,96 @@
       </p:grpSpPr>
       <p:pic>
         <p:nvPicPr>
+          <p:cNvPr id="2" name="Picture 1"/>
+          <p:cNvPicPr>
+            <a:picLocks noChangeAspect="1"/>
+          </p:cNvPicPr>
+          <p:nvPr/>
+        </p:nvPicPr>
+        <p:blipFill>
+          <a:blip r:embed="rId3"/>
+          <a:stretch>
+            <a:fillRect/>
+          </a:stretch>
+        </p:blipFill>
+        <p:spPr>
+          <a:xfrm>
+            <a:off x="1747837" y="366712"/>
+            <a:ext cx="8696325" cy="6124575"/>
+          </a:xfrm>
+          <a:prstGeom prst="rect">
+            <a:avLst/>
+          </a:prstGeom>
+        </p:spPr>
+      </p:pic>
+    </p:spTree>
+    <p:extLst>
+      <p:ext uri="{BB962C8B-B14F-4D97-AF65-F5344CB8AC3E}">
+        <p14:creationId xmlns:p14="http://schemas.microsoft.com/office/powerpoint/2010/main" val="3126895841"/>
+      </p:ext>
+    </p:extLst>
+  </p:cSld>
+  <p:clrMapOvr>
+    <a:masterClrMapping/>
+  </p:clrMapOvr>
+  <p:timing>
+    <p:tnLst>
+      <p:par>
+        <p:cTn id="1" dur="indefinite" restart="never" nodeType="tmRoot"/>
+      </p:par>
+    </p:tnLst>
+  </p:timing>
+</p:sld>
+</file>
+
+<file path=ppt/slides/slide5.xml><?xml version="1.0" encoding="utf-8"?>
+<p:sld xmlns:a="http://schemas.openxmlformats.org/drawingml/2006/main" xmlns:r="http://schemas.openxmlformats.org/officeDocument/2006/relationships" xmlns:p="http://schemas.openxmlformats.org/presentationml/2006/main">
+  <p:cSld>
+    <p:bg>
+      <p:bgPr>
+        <a:blipFill dpi="0" rotWithShape="1">
+          <a:blip r:embed="rId2">
+            <a:alphaModFix amt="0"/>
+            <a:duotone>
+              <a:schemeClr val="bg2">
+                <a:shade val="88000"/>
+                <a:hueMod val="106000"/>
+                <a:satMod val="140000"/>
+                <a:lumMod val="54000"/>
+              </a:schemeClr>
+              <a:schemeClr val="bg2">
+                <a:tint val="98000"/>
+                <a:hueMod val="90000"/>
+                <a:satMod val="150000"/>
+                <a:lumMod val="160000"/>
+              </a:schemeClr>
+            </a:duotone>
+            <a:lum/>
+          </a:blip>
+          <a:srcRect/>
+          <a:stretch>
+            <a:fillRect/>
+          </a:stretch>
+        </a:blipFill>
+        <a:effectLst/>
+      </p:bgPr>
+    </p:bg>
+    <p:spTree>
+      <p:nvGrpSpPr>
+        <p:cNvPr id="1" name=""/>
+        <p:cNvGrpSpPr/>
+        <p:nvPr/>
+      </p:nvGrpSpPr>
+      <p:grpSpPr>
+        <a:xfrm>
+          <a:off x="0" y="0"/>
+          <a:ext cx="0" cy="0"/>
+          <a:chOff x="0" y="0"/>
+          <a:chExt cx="0" cy="0"/>
+        </a:xfrm>
+      </p:grpSpPr>
+      <p:pic>
+        <p:nvPicPr>
           <p:cNvPr id="5" name="Picture 4"/>
           <p:cNvPicPr>
             <a:picLocks noChangeAspect="1"/>
@@ -13706,8 +15423,816 @@
         </p:blipFill>
         <p:spPr>
           <a:xfrm>
-            <a:off x="2530764" y="944936"/>
-            <a:ext cx="7001104" cy="5088141"/>
+            <a:off x="1354553" y="3594664"/>
+            <a:ext cx="2714625" cy="933450"/>
+          </a:xfrm>
+          <a:prstGeom prst="rect">
+            <a:avLst/>
+          </a:prstGeom>
+        </p:spPr>
+      </p:pic>
+      <p:pic>
+        <p:nvPicPr>
+          <p:cNvPr id="6" name="Picture 5"/>
+          <p:cNvPicPr>
+            <a:picLocks noChangeAspect="1"/>
+          </p:cNvPicPr>
+          <p:nvPr/>
+        </p:nvPicPr>
+        <p:blipFill>
+          <a:blip r:embed="rId4"/>
+          <a:stretch>
+            <a:fillRect/>
+          </a:stretch>
+        </p:blipFill>
+        <p:spPr>
+          <a:xfrm>
+            <a:off x="1123816" y="1352194"/>
+            <a:ext cx="4686300" cy="1333500"/>
+          </a:xfrm>
+          <a:prstGeom prst="rect">
+            <a:avLst/>
+          </a:prstGeom>
+        </p:spPr>
+      </p:pic>
+      <p:pic>
+        <p:nvPicPr>
+          <p:cNvPr id="7" name="Picture 6"/>
+          <p:cNvPicPr>
+            <a:picLocks noChangeAspect="1"/>
+          </p:cNvPicPr>
+          <p:nvPr/>
+        </p:nvPicPr>
+        <p:blipFill>
+          <a:blip r:embed="rId5"/>
+          <a:stretch>
+            <a:fillRect/>
+          </a:stretch>
+        </p:blipFill>
+        <p:spPr>
+          <a:xfrm>
+            <a:off x="6395681" y="1267848"/>
+            <a:ext cx="3895725" cy="1228725"/>
+          </a:xfrm>
+          <a:prstGeom prst="rect">
+            <a:avLst/>
+          </a:prstGeom>
+        </p:spPr>
+      </p:pic>
+      <p:pic>
+        <p:nvPicPr>
+          <p:cNvPr id="8" name="Picture 7"/>
+          <p:cNvPicPr>
+            <a:picLocks noChangeAspect="1"/>
+          </p:cNvPicPr>
+          <p:nvPr/>
+        </p:nvPicPr>
+        <p:blipFill>
+          <a:blip r:embed="rId6"/>
+          <a:stretch>
+            <a:fillRect/>
+          </a:stretch>
+        </p:blipFill>
+        <p:spPr>
+          <a:xfrm>
+            <a:off x="6395681" y="2796434"/>
+            <a:ext cx="4076700" cy="1333500"/>
+          </a:xfrm>
+          <a:prstGeom prst="rect">
+            <a:avLst/>
+          </a:prstGeom>
+        </p:spPr>
+      </p:pic>
+      <p:pic>
+        <p:nvPicPr>
+          <p:cNvPr id="9" name="Picture 8"/>
+          <p:cNvPicPr>
+            <a:picLocks noChangeAspect="1"/>
+          </p:cNvPicPr>
+          <p:nvPr/>
+        </p:nvPicPr>
+        <p:blipFill>
+          <a:blip r:embed="rId7"/>
+          <a:stretch>
+            <a:fillRect/>
+          </a:stretch>
+        </p:blipFill>
+        <p:spPr>
+          <a:xfrm>
+            <a:off x="4225362" y="5066231"/>
+            <a:ext cx="2476500" cy="1066800"/>
+          </a:xfrm>
+          <a:prstGeom prst="rect">
+            <a:avLst/>
+          </a:prstGeom>
+        </p:spPr>
+      </p:pic>
+      <p:sp>
+        <p:nvSpPr>
+          <p:cNvPr id="15" name="TextBox 14"/>
+          <p:cNvSpPr txBox="1"/>
+          <p:nvPr/>
+        </p:nvSpPr>
+        <p:spPr>
+          <a:xfrm>
+            <a:off x="1354553" y="316194"/>
+            <a:ext cx="7174150" cy="523220"/>
+          </a:xfrm>
+          <a:prstGeom prst="rect">
+            <a:avLst/>
+          </a:prstGeom>
+          <a:noFill/>
+        </p:spPr>
+        <p:txBody>
+          <a:bodyPr wrap="square" rtlCol="0">
+            <a:spAutoFit/>
+          </a:bodyPr>
+          <a:lstStyle/>
+          <a:p>
+            <a:r>
+              <a:rPr lang="ru-RU" sz="2800" dirty="0" smtClean="0">
+                <a:solidFill>
+                  <a:schemeClr val="bg1">
+                    <a:lumMod val="85000"/>
+                    <a:lumOff val="15000"/>
+                  </a:schemeClr>
+                </a:solidFill>
+              </a:rPr>
+              <a:t>Таблицы базы данных</a:t>
+            </a:r>
+            <a:endParaRPr lang="en-US" sz="2800" dirty="0">
+              <a:solidFill>
+                <a:schemeClr val="bg1">
+                  <a:lumMod val="85000"/>
+                  <a:lumOff val="15000"/>
+                </a:schemeClr>
+              </a:solidFill>
+            </a:endParaRPr>
+          </a:p>
+        </p:txBody>
+      </p:sp>
+    </p:spTree>
+    <p:extLst>
+      <p:ext uri="{BB962C8B-B14F-4D97-AF65-F5344CB8AC3E}">
+        <p14:creationId xmlns:p14="http://schemas.microsoft.com/office/powerpoint/2010/main" val="444133027"/>
+      </p:ext>
+    </p:extLst>
+  </p:cSld>
+  <p:clrMapOvr>
+    <a:masterClrMapping/>
+  </p:clrMapOvr>
+  <p:timing>
+    <p:tnLst>
+      <p:par>
+        <p:cTn id="1" dur="indefinite" restart="never" nodeType="tmRoot"/>
+      </p:par>
+    </p:tnLst>
+  </p:timing>
+</p:sld>
+</file>
+
+<file path=ppt/slides/slide6.xml><?xml version="1.0" encoding="utf-8"?>
+<p:sld xmlns:a="http://schemas.openxmlformats.org/drawingml/2006/main" xmlns:r="http://schemas.openxmlformats.org/officeDocument/2006/relationships" xmlns:p="http://schemas.openxmlformats.org/presentationml/2006/main">
+  <p:cSld>
+    <p:bg>
+      <p:bgPr>
+        <a:blipFill dpi="0" rotWithShape="1">
+          <a:blip r:embed="rId2">
+            <a:alphaModFix amt="0"/>
+            <a:duotone>
+              <a:schemeClr val="bg2">
+                <a:shade val="88000"/>
+                <a:hueMod val="106000"/>
+                <a:satMod val="140000"/>
+                <a:lumMod val="54000"/>
+              </a:schemeClr>
+              <a:schemeClr val="bg2">
+                <a:tint val="98000"/>
+                <a:hueMod val="90000"/>
+                <a:satMod val="150000"/>
+                <a:lumMod val="160000"/>
+              </a:schemeClr>
+            </a:duotone>
+            <a:lum/>
+          </a:blip>
+          <a:srcRect/>
+          <a:stretch>
+            <a:fillRect/>
+          </a:stretch>
+        </a:blipFill>
+        <a:effectLst/>
+      </p:bgPr>
+    </p:bg>
+    <p:spTree>
+      <p:nvGrpSpPr>
+        <p:cNvPr id="1" name=""/>
+        <p:cNvGrpSpPr/>
+        <p:nvPr/>
+      </p:nvGrpSpPr>
+      <p:grpSpPr>
+        <a:xfrm>
+          <a:off x="0" y="0"/>
+          <a:ext cx="0" cy="0"/>
+          <a:chOff x="0" y="0"/>
+          <a:chExt cx="0" cy="0"/>
+        </a:xfrm>
+      </p:grpSpPr>
+      <p:sp>
+        <p:nvSpPr>
+          <p:cNvPr id="15" name="TextBox 14"/>
+          <p:cNvSpPr txBox="1"/>
+          <p:nvPr/>
+        </p:nvSpPr>
+        <p:spPr>
+          <a:xfrm>
+            <a:off x="1354553" y="316194"/>
+            <a:ext cx="7174150" cy="523220"/>
+          </a:xfrm>
+          <a:prstGeom prst="rect">
+            <a:avLst/>
+          </a:prstGeom>
+          <a:noFill/>
+        </p:spPr>
+        <p:txBody>
+          <a:bodyPr wrap="square" rtlCol="0">
+            <a:spAutoFit/>
+          </a:bodyPr>
+          <a:lstStyle/>
+          <a:p>
+            <a:r>
+              <a:rPr lang="ru-RU" sz="2800" dirty="0" smtClean="0">
+                <a:solidFill>
+                  <a:schemeClr val="bg1">
+                    <a:lumMod val="85000"/>
+                    <a:lumOff val="15000"/>
+                  </a:schemeClr>
+                </a:solidFill>
+              </a:rPr>
+              <a:t>Обеспечение целостности данных</a:t>
+            </a:r>
+            <a:endParaRPr lang="en-US" sz="2800" dirty="0">
+              <a:solidFill>
+                <a:schemeClr val="bg1">
+                  <a:lumMod val="85000"/>
+                  <a:lumOff val="15000"/>
+                </a:schemeClr>
+              </a:solidFill>
+            </a:endParaRPr>
+          </a:p>
+        </p:txBody>
+      </p:sp>
+      <p:pic>
+        <p:nvPicPr>
+          <p:cNvPr id="2" name="Picture 1"/>
+          <p:cNvPicPr>
+            <a:picLocks noChangeAspect="1"/>
+          </p:cNvPicPr>
+          <p:nvPr/>
+        </p:nvPicPr>
+        <p:blipFill>
+          <a:blip r:embed="rId3"/>
+          <a:stretch>
+            <a:fillRect/>
+          </a:stretch>
+        </p:blipFill>
+        <p:spPr>
+          <a:xfrm>
+            <a:off x="1470455" y="1147006"/>
+            <a:ext cx="5114925" cy="2000250"/>
+          </a:xfrm>
+          <a:prstGeom prst="rect">
+            <a:avLst/>
+          </a:prstGeom>
+        </p:spPr>
+      </p:pic>
+      <p:pic>
+        <p:nvPicPr>
+          <p:cNvPr id="3" name="Picture 2"/>
+          <p:cNvPicPr>
+            <a:picLocks noChangeAspect="1"/>
+          </p:cNvPicPr>
+          <p:nvPr/>
+        </p:nvPicPr>
+        <p:blipFill>
+          <a:blip r:embed="rId4"/>
+          <a:stretch>
+            <a:fillRect/>
+          </a:stretch>
+        </p:blipFill>
+        <p:spPr>
+          <a:xfrm>
+            <a:off x="6161740" y="3925667"/>
+            <a:ext cx="4733925" cy="981075"/>
+          </a:xfrm>
+          <a:prstGeom prst="rect">
+            <a:avLst/>
+          </a:prstGeom>
+        </p:spPr>
+      </p:pic>
+      <p:sp>
+        <p:nvSpPr>
+          <p:cNvPr id="4" name="TextBox 3"/>
+          <p:cNvSpPr txBox="1"/>
+          <p:nvPr/>
+        </p:nvSpPr>
+        <p:spPr>
+          <a:xfrm>
+            <a:off x="976379" y="4093038"/>
+            <a:ext cx="3965249" cy="646331"/>
+          </a:xfrm>
+          <a:prstGeom prst="rect">
+            <a:avLst/>
+          </a:prstGeom>
+          <a:noFill/>
+        </p:spPr>
+        <p:txBody>
+          <a:bodyPr wrap="square" rtlCol="0">
+            <a:spAutoFit/>
+          </a:bodyPr>
+          <a:lstStyle/>
+          <a:p>
+            <a:r>
+              <a:rPr lang="ru-RU" dirty="0" smtClean="0">
+                <a:solidFill>
+                  <a:schemeClr val="bg1">
+                    <a:lumMod val="85000"/>
+                    <a:lumOff val="15000"/>
+                  </a:schemeClr>
+                </a:solidFill>
+              </a:rPr>
+              <a:t>Невозможно удалить товар, если он присутствует на складе</a:t>
+            </a:r>
+            <a:endParaRPr lang="en-US" dirty="0">
+              <a:solidFill>
+                <a:schemeClr val="bg1">
+                  <a:lumMod val="85000"/>
+                  <a:lumOff val="15000"/>
+                </a:schemeClr>
+              </a:solidFill>
+            </a:endParaRPr>
+          </a:p>
+        </p:txBody>
+      </p:sp>
+      <p:cxnSp>
+        <p:nvCxnSpPr>
+          <p:cNvPr id="11" name="Straight Arrow Connector 10"/>
+          <p:cNvCxnSpPr/>
+          <p:nvPr/>
+        </p:nvCxnSpPr>
+        <p:spPr>
+          <a:xfrm>
+            <a:off x="5170206" y="4416204"/>
+            <a:ext cx="700755" cy="0"/>
+          </a:xfrm>
+          <a:prstGeom prst="straightConnector1">
+            <a:avLst/>
+          </a:prstGeom>
+          <a:ln w="38100">
+            <a:tailEnd type="triangle"/>
+          </a:ln>
+        </p:spPr>
+        <p:style>
+          <a:lnRef idx="1">
+            <a:schemeClr val="accent1"/>
+          </a:lnRef>
+          <a:fillRef idx="0">
+            <a:schemeClr val="accent1"/>
+          </a:fillRef>
+          <a:effectRef idx="0">
+            <a:schemeClr val="accent1"/>
+          </a:effectRef>
+          <a:fontRef idx="minor">
+            <a:schemeClr val="tx1"/>
+          </a:fontRef>
+        </p:style>
+      </p:cxnSp>
+      <p:sp>
+        <p:nvSpPr>
+          <p:cNvPr id="12" name="TextBox 11"/>
+          <p:cNvSpPr txBox="1"/>
+          <p:nvPr/>
+        </p:nvSpPr>
+        <p:spPr>
+          <a:xfrm>
+            <a:off x="7862131" y="1147006"/>
+            <a:ext cx="2623559" cy="1477328"/>
+          </a:xfrm>
+          <a:prstGeom prst="rect">
+            <a:avLst/>
+          </a:prstGeom>
+          <a:noFill/>
+        </p:spPr>
+        <p:txBody>
+          <a:bodyPr wrap="square" rtlCol="0">
+            <a:spAutoFit/>
+          </a:bodyPr>
+          <a:lstStyle/>
+          <a:p>
+            <a:r>
+              <a:rPr lang="ru-RU" dirty="0" smtClean="0">
+                <a:solidFill>
+                  <a:schemeClr val="bg1">
+                    <a:lumMod val="85000"/>
+                    <a:lumOff val="15000"/>
+                  </a:schemeClr>
+                </a:solidFill>
+              </a:rPr>
+              <a:t>Невозможно удалить категорию, если она содержит товары или другие категории</a:t>
+            </a:r>
+            <a:endParaRPr lang="en-US" dirty="0">
+              <a:solidFill>
+                <a:schemeClr val="bg1">
+                  <a:lumMod val="85000"/>
+                  <a:lumOff val="15000"/>
+                </a:schemeClr>
+              </a:solidFill>
+            </a:endParaRPr>
+          </a:p>
+        </p:txBody>
+      </p:sp>
+      <p:cxnSp>
+        <p:nvCxnSpPr>
+          <p:cNvPr id="14" name="Straight Arrow Connector 13"/>
+          <p:cNvCxnSpPr/>
+          <p:nvPr/>
+        </p:nvCxnSpPr>
+        <p:spPr>
+          <a:xfrm flipH="1" flipV="1">
+            <a:off x="6990460" y="1982624"/>
+            <a:ext cx="760576" cy="8864"/>
+          </a:xfrm>
+          <a:prstGeom prst="straightConnector1">
+            <a:avLst/>
+          </a:prstGeom>
+          <a:ln w="38100">
+            <a:tailEnd type="triangle"/>
+          </a:ln>
+        </p:spPr>
+        <p:style>
+          <a:lnRef idx="1">
+            <a:schemeClr val="accent1"/>
+          </a:lnRef>
+          <a:fillRef idx="0">
+            <a:schemeClr val="accent1"/>
+          </a:fillRef>
+          <a:effectRef idx="0">
+            <a:schemeClr val="accent1"/>
+          </a:effectRef>
+          <a:fontRef idx="minor">
+            <a:schemeClr val="tx1"/>
+          </a:fontRef>
+        </p:style>
+      </p:cxnSp>
+    </p:spTree>
+    <p:extLst>
+      <p:ext uri="{BB962C8B-B14F-4D97-AF65-F5344CB8AC3E}">
+        <p14:creationId xmlns:p14="http://schemas.microsoft.com/office/powerpoint/2010/main" val="483574701"/>
+      </p:ext>
+    </p:extLst>
+  </p:cSld>
+  <p:clrMapOvr>
+    <a:masterClrMapping/>
+  </p:clrMapOvr>
+  <p:timing>
+    <p:tnLst>
+      <p:par>
+        <p:cTn id="1" dur="indefinite" restart="never" nodeType="tmRoot"/>
+      </p:par>
+    </p:tnLst>
+  </p:timing>
+</p:sld>
+</file>
+
+<file path=ppt/slides/slide7.xml><?xml version="1.0" encoding="utf-8"?>
+<p:sld xmlns:a="http://schemas.openxmlformats.org/drawingml/2006/main" xmlns:r="http://schemas.openxmlformats.org/officeDocument/2006/relationships" xmlns:p="http://schemas.openxmlformats.org/presentationml/2006/main">
+  <p:cSld>
+    <p:bg>
+      <p:bgPr>
+        <a:blipFill dpi="0" rotWithShape="1">
+          <a:blip r:embed="rId2">
+            <a:alphaModFix amt="0"/>
+            <a:duotone>
+              <a:schemeClr val="bg2">
+                <a:shade val="88000"/>
+                <a:hueMod val="106000"/>
+                <a:satMod val="140000"/>
+                <a:lumMod val="54000"/>
+              </a:schemeClr>
+              <a:schemeClr val="bg2">
+                <a:tint val="98000"/>
+                <a:hueMod val="90000"/>
+                <a:satMod val="150000"/>
+                <a:lumMod val="160000"/>
+              </a:schemeClr>
+            </a:duotone>
+            <a:lum/>
+          </a:blip>
+          <a:srcRect/>
+          <a:stretch>
+            <a:fillRect/>
+          </a:stretch>
+        </a:blipFill>
+        <a:effectLst/>
+      </p:bgPr>
+    </p:bg>
+    <p:spTree>
+      <p:nvGrpSpPr>
+        <p:cNvPr id="1" name=""/>
+        <p:cNvGrpSpPr/>
+        <p:nvPr/>
+      </p:nvGrpSpPr>
+      <p:grpSpPr>
+        <a:xfrm>
+          <a:off x="0" y="0"/>
+          <a:ext cx="0" cy="0"/>
+          <a:chOff x="0" y="0"/>
+          <a:chExt cx="0" cy="0"/>
+        </a:xfrm>
+      </p:grpSpPr>
+      <p:sp>
+        <p:nvSpPr>
+          <p:cNvPr id="15" name="TextBox 14"/>
+          <p:cNvSpPr txBox="1"/>
+          <p:nvPr/>
+        </p:nvSpPr>
+        <p:spPr>
+          <a:xfrm>
+            <a:off x="1354553" y="316194"/>
+            <a:ext cx="7174150" cy="954107"/>
+          </a:xfrm>
+          <a:prstGeom prst="rect">
+            <a:avLst/>
+          </a:prstGeom>
+          <a:noFill/>
+        </p:spPr>
+        <p:txBody>
+          <a:bodyPr wrap="square" rtlCol="0">
+            <a:spAutoFit/>
+          </a:bodyPr>
+          <a:lstStyle/>
+          <a:p>
+            <a:r>
+              <a:rPr lang="ru-RU" sz="2800" dirty="0" smtClean="0">
+                <a:solidFill>
+                  <a:schemeClr val="bg1">
+                    <a:lumMod val="85000"/>
+                    <a:lumOff val="15000"/>
+                  </a:schemeClr>
+                </a:solidFill>
+              </a:rPr>
+              <a:t>Обеспечение целостности данных – добавление и списание товаров</a:t>
+            </a:r>
+            <a:endParaRPr lang="en-US" sz="2800" dirty="0">
+              <a:solidFill>
+                <a:schemeClr val="bg1">
+                  <a:lumMod val="85000"/>
+                  <a:lumOff val="15000"/>
+                </a:schemeClr>
+              </a:solidFill>
+            </a:endParaRPr>
+          </a:p>
+        </p:txBody>
+      </p:sp>
+      <p:pic>
+        <p:nvPicPr>
+          <p:cNvPr id="5" name="Picture 4"/>
+          <p:cNvPicPr>
+            <a:picLocks noChangeAspect="1"/>
+          </p:cNvPicPr>
+          <p:nvPr/>
+        </p:nvPicPr>
+        <p:blipFill>
+          <a:blip r:embed="rId3"/>
+          <a:stretch>
+            <a:fillRect/>
+          </a:stretch>
+        </p:blipFill>
+        <p:spPr>
+          <a:xfrm>
+            <a:off x="1354553" y="1637454"/>
+            <a:ext cx="6867525" cy="3514725"/>
+          </a:xfrm>
+          <a:prstGeom prst="rect">
+            <a:avLst/>
+          </a:prstGeom>
+        </p:spPr>
+      </p:pic>
+      <p:sp>
+        <p:nvSpPr>
+          <p:cNvPr id="6" name="TextBox 5"/>
+          <p:cNvSpPr txBox="1"/>
+          <p:nvPr/>
+        </p:nvSpPr>
+        <p:spPr>
+          <a:xfrm>
+            <a:off x="1991170" y="5503492"/>
+            <a:ext cx="4187439" cy="369332"/>
+          </a:xfrm>
+          <a:prstGeom prst="rect">
+            <a:avLst/>
+          </a:prstGeom>
+          <a:noFill/>
+        </p:spPr>
+        <p:txBody>
+          <a:bodyPr wrap="square" rtlCol="0">
+            <a:spAutoFit/>
+          </a:bodyPr>
+          <a:lstStyle/>
+          <a:p>
+            <a:r>
+              <a:rPr lang="ru-RU" dirty="0" smtClean="0">
+                <a:solidFill>
+                  <a:schemeClr val="bg1">
+                    <a:lumMod val="85000"/>
+                    <a:lumOff val="15000"/>
+                  </a:schemeClr>
+                </a:solidFill>
+              </a:rPr>
+              <a:t>…………</a:t>
+            </a:r>
+            <a:endParaRPr lang="en-US" dirty="0">
+              <a:solidFill>
+                <a:schemeClr val="bg1">
+                  <a:lumMod val="85000"/>
+                  <a:lumOff val="15000"/>
+                </a:schemeClr>
+              </a:solidFill>
+            </a:endParaRPr>
+          </a:p>
+        </p:txBody>
+      </p:sp>
+    </p:spTree>
+    <p:extLst>
+      <p:ext uri="{BB962C8B-B14F-4D97-AF65-F5344CB8AC3E}">
+        <p14:creationId xmlns:p14="http://schemas.microsoft.com/office/powerpoint/2010/main" val="1085163886"/>
+      </p:ext>
+    </p:extLst>
+  </p:cSld>
+  <p:clrMapOvr>
+    <a:masterClrMapping/>
+  </p:clrMapOvr>
+  <p:timing>
+    <p:tnLst>
+      <p:par>
+        <p:cTn id="1" dur="indefinite" restart="never" nodeType="tmRoot"/>
+      </p:par>
+    </p:tnLst>
+  </p:timing>
+</p:sld>
+</file>
+
+<file path=ppt/slides/slide8.xml><?xml version="1.0" encoding="utf-8"?>
+<p:sld xmlns:a="http://schemas.openxmlformats.org/drawingml/2006/main" xmlns:r="http://schemas.openxmlformats.org/officeDocument/2006/relationships" xmlns:p="http://schemas.openxmlformats.org/presentationml/2006/main">
+  <p:cSld>
+    <p:bg>
+      <p:bgPr>
+        <a:blipFill dpi="0" rotWithShape="1">
+          <a:blip r:embed="rId2">
+            <a:alphaModFix amt="0"/>
+            <a:duotone>
+              <a:schemeClr val="bg2">
+                <a:shade val="88000"/>
+                <a:hueMod val="106000"/>
+                <a:satMod val="140000"/>
+                <a:lumMod val="54000"/>
+              </a:schemeClr>
+              <a:schemeClr val="bg2">
+                <a:tint val="98000"/>
+                <a:hueMod val="90000"/>
+                <a:satMod val="150000"/>
+                <a:lumMod val="160000"/>
+              </a:schemeClr>
+            </a:duotone>
+            <a:lum/>
+          </a:blip>
+          <a:srcRect/>
+          <a:stretch>
+            <a:fillRect/>
+          </a:stretch>
+        </a:blipFill>
+        <a:effectLst/>
+      </p:bgPr>
+    </p:bg>
+    <p:spTree>
+      <p:nvGrpSpPr>
+        <p:cNvPr id="1" name=""/>
+        <p:cNvGrpSpPr/>
+        <p:nvPr/>
+      </p:nvGrpSpPr>
+      <p:grpSpPr>
+        <a:xfrm>
+          <a:off x="0" y="0"/>
+          <a:ext cx="0" cy="0"/>
+          <a:chOff x="0" y="0"/>
+          <a:chExt cx="0" cy="0"/>
+        </a:xfrm>
+      </p:grpSpPr>
+      <p:sp>
+        <p:nvSpPr>
+          <p:cNvPr id="15" name="TextBox 14"/>
+          <p:cNvSpPr txBox="1"/>
+          <p:nvPr/>
+        </p:nvSpPr>
+        <p:spPr>
+          <a:xfrm>
+            <a:off x="1354553" y="316194"/>
+            <a:ext cx="7174150" cy="523220"/>
+          </a:xfrm>
+          <a:prstGeom prst="rect">
+            <a:avLst/>
+          </a:prstGeom>
+          <a:noFill/>
+        </p:spPr>
+        <p:txBody>
+          <a:bodyPr wrap="square" rtlCol="0">
+            <a:spAutoFit/>
+          </a:bodyPr>
+          <a:lstStyle/>
+          <a:p>
+            <a:r>
+              <a:rPr lang="ru-RU" sz="2800" dirty="0" smtClean="0">
+                <a:solidFill>
+                  <a:schemeClr val="bg1">
+                    <a:lumMod val="85000"/>
+                    <a:lumOff val="15000"/>
+                  </a:schemeClr>
+                </a:solidFill>
+              </a:rPr>
+              <a:t>Классы-сущности</a:t>
+            </a:r>
+            <a:endParaRPr lang="en-US" sz="2800" dirty="0">
+              <a:solidFill>
+                <a:schemeClr val="bg1">
+                  <a:lumMod val="85000"/>
+                  <a:lumOff val="15000"/>
+                </a:schemeClr>
+              </a:solidFill>
+            </a:endParaRPr>
+          </a:p>
+        </p:txBody>
+      </p:sp>
+      <p:sp>
+        <p:nvSpPr>
+          <p:cNvPr id="6" name="TextBox 5"/>
+          <p:cNvSpPr txBox="1"/>
+          <p:nvPr/>
+        </p:nvSpPr>
+        <p:spPr>
+          <a:xfrm>
+            <a:off x="1991170" y="5503492"/>
+            <a:ext cx="4187439" cy="369332"/>
+          </a:xfrm>
+          <a:prstGeom prst="rect">
+            <a:avLst/>
+          </a:prstGeom>
+          <a:noFill/>
+        </p:spPr>
+        <p:txBody>
+          <a:bodyPr wrap="square" rtlCol="0">
+            <a:spAutoFit/>
+          </a:bodyPr>
+          <a:lstStyle/>
+          <a:p>
+            <a:r>
+              <a:rPr lang="ru-RU" dirty="0" smtClean="0">
+                <a:solidFill>
+                  <a:schemeClr val="bg1">
+                    <a:lumMod val="85000"/>
+                    <a:lumOff val="15000"/>
+                  </a:schemeClr>
+                </a:solidFill>
+              </a:rPr>
+              <a:t>…………</a:t>
+            </a:r>
+            <a:endParaRPr lang="en-US" dirty="0">
+              <a:solidFill>
+                <a:schemeClr val="bg1">
+                  <a:lumMod val="85000"/>
+                  <a:lumOff val="15000"/>
+                </a:schemeClr>
+              </a:solidFill>
+            </a:endParaRPr>
+          </a:p>
+        </p:txBody>
+      </p:sp>
+      <p:pic>
+        <p:nvPicPr>
+          <p:cNvPr id="3" name="Picture 2"/>
+          <p:cNvPicPr>
+            <a:picLocks noChangeAspect="1"/>
+          </p:cNvPicPr>
+          <p:nvPr/>
+        </p:nvPicPr>
+        <p:blipFill>
+          <a:blip r:embed="rId3"/>
+          <a:stretch>
+            <a:fillRect/>
+          </a:stretch>
+        </p:blipFill>
+        <p:spPr>
+          <a:xfrm>
+            <a:off x="1733550" y="1090612"/>
+            <a:ext cx="8724900" cy="4676775"/>
           </a:xfrm>
           <a:prstGeom prst="rect">
             <a:avLst/>
@@ -13717,7 +16242,141 @@
     </p:spTree>
     <p:extLst>
       <p:ext uri="{BB962C8B-B14F-4D97-AF65-F5344CB8AC3E}">
-        <p14:creationId xmlns:p14="http://schemas.microsoft.com/office/powerpoint/2010/main" val="3126895841"/>
+        <p14:creationId xmlns:p14="http://schemas.microsoft.com/office/powerpoint/2010/main" val="3057557529"/>
+      </p:ext>
+    </p:extLst>
+  </p:cSld>
+  <p:clrMapOvr>
+    <a:masterClrMapping/>
+  </p:clrMapOvr>
+  <p:timing>
+    <p:tnLst>
+      <p:par>
+        <p:cTn id="1" dur="indefinite" restart="never" nodeType="tmRoot"/>
+      </p:par>
+    </p:tnLst>
+  </p:timing>
+</p:sld>
+</file>
+
+<file path=ppt/slides/slide9.xml><?xml version="1.0" encoding="utf-8"?>
+<p:sld xmlns:a="http://schemas.openxmlformats.org/drawingml/2006/main" xmlns:r="http://schemas.openxmlformats.org/officeDocument/2006/relationships" xmlns:p="http://schemas.openxmlformats.org/presentationml/2006/main">
+  <p:cSld>
+    <p:bg>
+      <p:bgPr>
+        <a:blipFill dpi="0" rotWithShape="1">
+          <a:blip r:embed="rId2">
+            <a:alphaModFix amt="0"/>
+            <a:duotone>
+              <a:schemeClr val="bg2">
+                <a:shade val="88000"/>
+                <a:hueMod val="106000"/>
+                <a:satMod val="140000"/>
+                <a:lumMod val="54000"/>
+              </a:schemeClr>
+              <a:schemeClr val="bg2">
+                <a:tint val="98000"/>
+                <a:hueMod val="90000"/>
+                <a:satMod val="150000"/>
+                <a:lumMod val="160000"/>
+              </a:schemeClr>
+            </a:duotone>
+            <a:lum/>
+          </a:blip>
+          <a:srcRect/>
+          <a:stretch>
+            <a:fillRect/>
+          </a:stretch>
+        </a:blipFill>
+        <a:effectLst/>
+      </p:bgPr>
+    </p:bg>
+    <p:spTree>
+      <p:nvGrpSpPr>
+        <p:cNvPr id="1" name=""/>
+        <p:cNvGrpSpPr/>
+        <p:nvPr/>
+      </p:nvGrpSpPr>
+      <p:grpSpPr>
+        <a:xfrm>
+          <a:off x="0" y="0"/>
+          <a:ext cx="0" cy="0"/>
+          <a:chOff x="0" y="0"/>
+          <a:chExt cx="0" cy="0"/>
+        </a:xfrm>
+      </p:grpSpPr>
+      <p:sp>
+        <p:nvSpPr>
+          <p:cNvPr id="15" name="TextBox 14"/>
+          <p:cNvSpPr txBox="1"/>
+          <p:nvPr/>
+        </p:nvSpPr>
+        <p:spPr>
+          <a:xfrm>
+            <a:off x="1354553" y="316194"/>
+            <a:ext cx="7174150" cy="523220"/>
+          </a:xfrm>
+          <a:prstGeom prst="rect">
+            <a:avLst/>
+          </a:prstGeom>
+          <a:noFill/>
+        </p:spPr>
+        <p:txBody>
+          <a:bodyPr wrap="square" rtlCol="0">
+            <a:spAutoFit/>
+          </a:bodyPr>
+          <a:lstStyle/>
+          <a:p>
+            <a:r>
+              <a:rPr lang="ru-RU" sz="2800" dirty="0" smtClean="0">
+                <a:solidFill>
+                  <a:schemeClr val="bg1">
+                    <a:lumMod val="85000"/>
+                    <a:lumOff val="15000"/>
+                  </a:schemeClr>
+                </a:solidFill>
+              </a:rPr>
+              <a:t>Серверная часть</a:t>
+            </a:r>
+            <a:endParaRPr lang="en-US" sz="2800" dirty="0">
+              <a:solidFill>
+                <a:schemeClr val="bg1">
+                  <a:lumMod val="85000"/>
+                  <a:lumOff val="15000"/>
+                </a:schemeClr>
+              </a:solidFill>
+            </a:endParaRPr>
+          </a:p>
+        </p:txBody>
+      </p:sp>
+      <p:pic>
+        <p:nvPicPr>
+          <p:cNvPr id="3" name="Picture 2"/>
+          <p:cNvPicPr>
+            <a:picLocks noChangeAspect="1"/>
+          </p:cNvPicPr>
+          <p:nvPr/>
+        </p:nvPicPr>
+        <p:blipFill>
+          <a:blip r:embed="rId3"/>
+          <a:stretch>
+            <a:fillRect/>
+          </a:stretch>
+        </p:blipFill>
+        <p:spPr>
+          <a:xfrm>
+            <a:off x="1395412" y="1323975"/>
+            <a:ext cx="9401175" cy="4210050"/>
+          </a:xfrm>
+          <a:prstGeom prst="rect">
+            <a:avLst/>
+          </a:prstGeom>
+        </p:spPr>
+      </p:pic>
+    </p:spTree>
+    <p:extLst>
+      <p:ext uri="{BB962C8B-B14F-4D97-AF65-F5344CB8AC3E}">
+        <p14:creationId xmlns:p14="http://schemas.microsoft.com/office/powerpoint/2010/main" val="498563520"/>
       </p:ext>
     </p:extLst>
   </p:cSld>
